--- a/slides/03_search_discussion.pptx
+++ b/slides/03_search_discussion.pptx
@@ -5,7 +5,7 @@
     <p:sldMasterId id="2147483678" r:id="rId1"/>
   </p:sldMasterIdLst>
   <p:notesMasterIdLst>
-    <p:notesMasterId r:id="rId11"/>
+    <p:notesMasterId r:id="rId14"/>
   </p:notesMasterIdLst>
   <p:sldIdLst>
     <p:sldId id="257" r:id="rId2"/>
@@ -13,10 +13,13 @@
     <p:sldId id="256" r:id="rId4"/>
     <p:sldId id="419" r:id="rId5"/>
     <p:sldId id="258" r:id="rId6"/>
-    <p:sldId id="259" r:id="rId7"/>
+    <p:sldId id="430" r:id="rId7"/>
     <p:sldId id="425" r:id="rId8"/>
     <p:sldId id="428" r:id="rId9"/>
-    <p:sldId id="429" r:id="rId10"/>
+    <p:sldId id="431" r:id="rId10"/>
+    <p:sldId id="432" r:id="rId11"/>
+    <p:sldId id="433" r:id="rId12"/>
+    <p:sldId id="429" r:id="rId13"/>
   </p:sldIdLst>
   <p:sldSz cx="9144000" cy="6858000" type="screen4x3"/>
   <p:notesSz cx="7315200" cy="9601200"/>
@@ -810,7 +813,7 @@
           <a:p>
             <a:fld id="{FDB68C03-DCF9-4B87-BBF6-8F2088376604}" type="datetimeFigureOut">
               <a:rPr lang="en-US" smtClean="0"/>
-              <a:t>6/7/2024</a:t>
+              <a:t>9/25/2024</a:t>
             </a:fld>
             <a:endParaRPr lang="en-US"/>
           </a:p>
@@ -1660,7 +1663,7 @@
           <a:p>
             <a:fld id="{FDB68C03-DCF9-4B87-BBF6-8F2088376604}" type="datetimeFigureOut">
               <a:rPr lang="en-US" smtClean="0"/>
-              <a:t>6/7/2024</a:t>
+              <a:t>9/25/2024</a:t>
             </a:fld>
             <a:endParaRPr lang="en-US"/>
           </a:p>
@@ -1941,7 +1944,7 @@
           <a:p>
             <a:fld id="{FDB68C03-DCF9-4B87-BBF6-8F2088376604}" type="datetimeFigureOut">
               <a:rPr lang="en-US" smtClean="0"/>
-              <a:t>6/7/2024</a:t>
+              <a:t>9/25/2024</a:t>
             </a:fld>
             <a:endParaRPr lang="en-US"/>
           </a:p>
@@ -4522,6 +4525,2736 @@
   </p:cSld>
   <p:clrMapOvr>
     <a:overrideClrMapping bg1="dk1" tx1="lt1" bg2="dk2" tx2="lt2" accent1="accent1" accent2="accent2" accent3="accent3" accent4="accent4" accent5="accent5" accent6="accent6" hlink="hlink" folHlink="folHlink"/>
+  </p:clrMapOvr>
+</p:sld>
+</file>
+
+<file path=ppt/slides/slide10.xml><?xml version="1.0" encoding="utf-8"?>
+<p:sld xmlns:a="http://schemas.openxmlformats.org/drawingml/2006/main" xmlns:r="http://schemas.openxmlformats.org/officeDocument/2006/relationships" xmlns:p="http://schemas.openxmlformats.org/presentationml/2006/main" show="0">
+  <p:cSld>
+    <p:spTree>
+      <p:nvGrpSpPr>
+        <p:cNvPr id="1" name=""/>
+        <p:cNvGrpSpPr/>
+        <p:nvPr/>
+      </p:nvGrpSpPr>
+      <p:grpSpPr>
+        <a:xfrm>
+          <a:off x="0" y="0"/>
+          <a:ext cx="0" cy="0"/>
+          <a:chOff x="0" y="0"/>
+          <a:chExt cx="0" cy="0"/>
+        </a:xfrm>
+      </p:grpSpPr>
+      <p:pic>
+        <p:nvPicPr>
+          <p:cNvPr id="1032" name="Picture 8" descr="MAZE. In Black and White.&quot; Art Board Print by TOMSREDBUBBLE | Redbubble">
+            <a:extLst>
+              <a:ext uri="{FF2B5EF4-FFF2-40B4-BE49-F238E27FC236}">
+                <a16:creationId xmlns:a16="http://schemas.microsoft.com/office/drawing/2014/main" id="{2571153B-B059-4858-BF01-466BDD0CE4B3}"/>
+              </a:ext>
+            </a:extLst>
+          </p:cNvPr>
+          <p:cNvPicPr>
+            <a:picLocks noChangeAspect="1" noChangeArrowheads="1"/>
+          </p:cNvPicPr>
+          <p:nvPr/>
+        </p:nvPicPr>
+        <p:blipFill rotWithShape="1">
+          <a:blip r:embed="rId2" cstate="print">
+            <a:extLst>
+              <a:ext uri="{28A0092B-C50C-407E-A947-70E740481C1C}">
+                <a14:useLocalDpi xmlns:a14="http://schemas.microsoft.com/office/drawing/2010/main" val="0"/>
+              </a:ext>
+            </a:extLst>
+          </a:blip>
+          <a:srcRect t="13335" b="12480"/>
+          <a:stretch/>
+        </p:blipFill>
+        <p:spPr bwMode="auto">
+          <a:xfrm>
+            <a:off x="914400" y="2133600"/>
+            <a:ext cx="1778794" cy="1758554"/>
+          </a:xfrm>
+          <a:prstGeom prst="rect">
+            <a:avLst/>
+          </a:prstGeom>
+          <a:extLst>
+            <a:ext uri="{909E8E84-426E-40DD-AFC4-6F175D3DCCD1}">
+              <a14:hiddenFill xmlns:a14="http://schemas.microsoft.com/office/drawing/2010/main">
+                <a:solidFill>
+                  <a:srgbClr val="FFFFFF"/>
+                </a:solidFill>
+              </a14:hiddenFill>
+            </a:ext>
+          </a:extLst>
+        </p:spPr>
+      </p:pic>
+      <p:sp>
+        <p:nvSpPr>
+          <p:cNvPr id="8" name="Rectangle 7">
+            <a:extLst>
+              <a:ext uri="{FF2B5EF4-FFF2-40B4-BE49-F238E27FC236}">
+                <a16:creationId xmlns:a16="http://schemas.microsoft.com/office/drawing/2014/main" id="{B08B44E6-866D-4A5E-AFB3-D9DCA58C75D3}"/>
+              </a:ext>
+            </a:extLst>
+          </p:cNvPr>
+          <p:cNvSpPr/>
+          <p:nvPr/>
+        </p:nvSpPr>
+        <p:spPr>
+          <a:xfrm>
+            <a:off x="914400" y="3908908"/>
+            <a:ext cx="1778794" cy="351235"/>
+          </a:xfrm>
+          <a:prstGeom prst="rect">
+            <a:avLst/>
+          </a:prstGeom>
+          <a:solidFill>
+            <a:srgbClr val="000000">
+              <a:alpha val="50000"/>
+            </a:srgbClr>
+          </a:solidFill>
+          <a:ln>
+            <a:noFill/>
+          </a:ln>
+        </p:spPr>
+        <p:txBody>
+          <a:bodyPr wrap="square" anchor="ctr">
+            <a:noAutofit/>
+          </a:bodyPr>
+          <a:lstStyle/>
+          <a:p>
+            <a:pPr algn="ctr">
+              <a:spcAft>
+                <a:spcPts val="450"/>
+              </a:spcAft>
+            </a:pPr>
+            <a:r>
+              <a:rPr lang="en-US" sz="1200">
+                <a:solidFill>
+                  <a:srgbClr val="FFFFFF"/>
+                </a:solidFill>
+              </a:rPr>
+              <a:t>Maze</a:t>
+            </a:r>
+          </a:p>
+        </p:txBody>
+      </p:sp>
+      <p:pic>
+        <p:nvPicPr>
+          <p:cNvPr id="1028" name="Picture 4" descr="The eight queens puzzle in Python | Solarian Programmer">
+            <a:extLst>
+              <a:ext uri="{FF2B5EF4-FFF2-40B4-BE49-F238E27FC236}">
+                <a16:creationId xmlns:a16="http://schemas.microsoft.com/office/drawing/2014/main" id="{9FC19A06-CBF6-4819-B189-F9D337D6FC14}"/>
+              </a:ext>
+            </a:extLst>
+          </p:cNvPr>
+          <p:cNvPicPr>
+            <a:picLocks noChangeAspect="1" noChangeArrowheads="1"/>
+          </p:cNvPicPr>
+          <p:nvPr/>
+        </p:nvPicPr>
+        <p:blipFill>
+          <a:blip r:embed="rId3">
+            <a:extLst>
+              <a:ext uri="{28A0092B-C50C-407E-A947-70E740481C1C}">
+                <a14:useLocalDpi xmlns:a14="http://schemas.microsoft.com/office/drawing/2010/main" val="0"/>
+              </a:ext>
+            </a:extLst>
+          </a:blip>
+          <a:stretch>
+            <a:fillRect/>
+          </a:stretch>
+        </p:blipFill>
+        <p:spPr bwMode="auto">
+          <a:xfrm>
+            <a:off x="2743200" y="2133600"/>
+            <a:ext cx="1759744" cy="1758554"/>
+          </a:xfrm>
+          <a:prstGeom prst="rect">
+            <a:avLst/>
+          </a:prstGeom>
+          <a:extLst>
+            <a:ext uri="{909E8E84-426E-40DD-AFC4-6F175D3DCCD1}">
+              <a14:hiddenFill xmlns:a14="http://schemas.microsoft.com/office/drawing/2010/main">
+                <a:solidFill>
+                  <a:srgbClr val="FFFFFF"/>
+                </a:solidFill>
+              </a14:hiddenFill>
+            </a:ext>
+          </a:extLst>
+        </p:spPr>
+      </p:pic>
+      <p:sp>
+        <p:nvSpPr>
+          <p:cNvPr id="7" name="Rectangle 6">
+            <a:extLst>
+              <a:ext uri="{FF2B5EF4-FFF2-40B4-BE49-F238E27FC236}">
+                <a16:creationId xmlns:a16="http://schemas.microsoft.com/office/drawing/2014/main" id="{14677E2A-E997-42CC-B03B-6B72B6934E54}"/>
+              </a:ext>
+            </a:extLst>
+          </p:cNvPr>
+          <p:cNvSpPr/>
+          <p:nvPr/>
+        </p:nvSpPr>
+        <p:spPr>
+          <a:xfrm>
+            <a:off x="2743200" y="3908908"/>
+            <a:ext cx="1759744" cy="351235"/>
+          </a:xfrm>
+          <a:prstGeom prst="rect">
+            <a:avLst/>
+          </a:prstGeom>
+          <a:solidFill>
+            <a:srgbClr val="000000">
+              <a:alpha val="50000"/>
+            </a:srgbClr>
+          </a:solidFill>
+          <a:ln>
+            <a:noFill/>
+          </a:ln>
+        </p:spPr>
+        <p:txBody>
+          <a:bodyPr wrap="square" anchor="ctr">
+            <a:noAutofit/>
+          </a:bodyPr>
+          <a:lstStyle/>
+          <a:p>
+            <a:pPr algn="ctr">
+              <a:spcAft>
+                <a:spcPts val="450"/>
+              </a:spcAft>
+            </a:pPr>
+            <a:r>
+              <a:rPr lang="en-US" sz="1200" dirty="0">
+                <a:solidFill>
+                  <a:srgbClr val="FFFFFF"/>
+                </a:solidFill>
+              </a:rPr>
+              <a:t>8-queens problem</a:t>
+            </a:r>
+          </a:p>
+        </p:txBody>
+      </p:sp>
+      <p:pic>
+        <p:nvPicPr>
+          <p:cNvPr id="1026" name="Picture 2">
+            <a:extLst>
+              <a:ext uri="{FF2B5EF4-FFF2-40B4-BE49-F238E27FC236}">
+                <a16:creationId xmlns:a16="http://schemas.microsoft.com/office/drawing/2014/main" id="{BEECF329-1304-4A9B-905D-61E6EC19569A}"/>
+              </a:ext>
+            </a:extLst>
+          </p:cNvPr>
+          <p:cNvPicPr>
+            <a:picLocks noChangeAspect="1" noChangeArrowheads="1"/>
+          </p:cNvPicPr>
+          <p:nvPr/>
+        </p:nvPicPr>
+        <p:blipFill rotWithShape="1">
+          <a:blip r:embed="rId4">
+            <a:extLst>
+              <a:ext uri="{28A0092B-C50C-407E-A947-70E740481C1C}">
+                <a14:useLocalDpi xmlns:a14="http://schemas.microsoft.com/office/drawing/2010/main" val="0"/>
+              </a:ext>
+            </a:extLst>
+          </a:blip>
+          <a:srcRect r="54439"/>
+          <a:stretch/>
+        </p:blipFill>
+        <p:spPr bwMode="auto">
+          <a:xfrm>
+            <a:off x="4554139" y="2133600"/>
+            <a:ext cx="1872854" cy="1758554"/>
+          </a:xfrm>
+          <a:prstGeom prst="rect">
+            <a:avLst/>
+          </a:prstGeom>
+          <a:extLst>
+            <a:ext uri="{909E8E84-426E-40DD-AFC4-6F175D3DCCD1}">
+              <a14:hiddenFill xmlns:a14="http://schemas.microsoft.com/office/drawing/2010/main">
+                <a:solidFill>
+                  <a:srgbClr val="FFFFFF"/>
+                </a:solidFill>
+              </a14:hiddenFill>
+            </a:ext>
+          </a:extLst>
+        </p:spPr>
+      </p:pic>
+      <p:sp>
+        <p:nvSpPr>
+          <p:cNvPr id="5" name="Rectangle 4">
+            <a:extLst>
+              <a:ext uri="{FF2B5EF4-FFF2-40B4-BE49-F238E27FC236}">
+                <a16:creationId xmlns:a16="http://schemas.microsoft.com/office/drawing/2014/main" id="{C6680FC1-2E9B-4D1E-BE6C-BA13EF788FB4}"/>
+              </a:ext>
+            </a:extLst>
+          </p:cNvPr>
+          <p:cNvSpPr/>
+          <p:nvPr/>
+        </p:nvSpPr>
+        <p:spPr>
+          <a:xfrm>
+            <a:off x="4554139" y="3908908"/>
+            <a:ext cx="1872854" cy="351235"/>
+          </a:xfrm>
+          <a:prstGeom prst="rect">
+            <a:avLst/>
+          </a:prstGeom>
+          <a:solidFill>
+            <a:srgbClr val="000000">
+              <a:alpha val="50000"/>
+            </a:srgbClr>
+          </a:solidFill>
+          <a:ln>
+            <a:noFill/>
+          </a:ln>
+        </p:spPr>
+        <p:txBody>
+          <a:bodyPr wrap="square" anchor="ctr">
+            <a:noAutofit/>
+          </a:bodyPr>
+          <a:lstStyle/>
+          <a:p>
+            <a:pPr algn="ctr">
+              <a:spcAft>
+                <a:spcPts val="450"/>
+              </a:spcAft>
+            </a:pPr>
+            <a:r>
+              <a:rPr lang="en-US" sz="1200" dirty="0">
+                <a:solidFill>
+                  <a:srgbClr val="FFFFFF"/>
+                </a:solidFill>
+              </a:rPr>
+              <a:t>8-puzzle problem</a:t>
+            </a:r>
+          </a:p>
+        </p:txBody>
+      </p:sp>
+      <p:pic>
+        <p:nvPicPr>
+          <p:cNvPr id="1030" name="Picture 6" descr="Tic-tac-toe - Wikipedia">
+            <a:extLst>
+              <a:ext uri="{FF2B5EF4-FFF2-40B4-BE49-F238E27FC236}">
+                <a16:creationId xmlns:a16="http://schemas.microsoft.com/office/drawing/2014/main" id="{C8966331-BED0-4CC1-988D-8EF4F768252A}"/>
+              </a:ext>
+            </a:extLst>
+          </p:cNvPr>
+          <p:cNvPicPr>
+            <a:picLocks noChangeAspect="1" noChangeArrowheads="1"/>
+          </p:cNvPicPr>
+          <p:nvPr/>
+        </p:nvPicPr>
+        <p:blipFill>
+          <a:blip r:embed="rId5" cstate="print">
+            <a:biLevel thresh="25000"/>
+            <a:extLst>
+              <a:ext uri="{BEBA8EAE-BF5A-486C-A8C5-ECC9F3942E4B}">
+                <a14:imgProps xmlns:a14="http://schemas.microsoft.com/office/drawing/2010/main">
+                  <a14:imgLayer r:embed="rId6">
+                    <a14:imgEffect>
+                      <a14:saturation sat="33000"/>
+                    </a14:imgEffect>
+                  </a14:imgLayer>
+                </a14:imgProps>
+              </a:ext>
+              <a:ext uri="{28A0092B-C50C-407E-A947-70E740481C1C}">
+                <a14:useLocalDpi xmlns:a14="http://schemas.microsoft.com/office/drawing/2010/main" val="0"/>
+              </a:ext>
+            </a:extLst>
+          </a:blip>
+          <a:stretch>
+            <a:fillRect/>
+          </a:stretch>
+        </p:blipFill>
+        <p:spPr bwMode="auto">
+          <a:xfrm>
+            <a:off x="6479381" y="2133600"/>
+            <a:ext cx="1983581" cy="1758554"/>
+          </a:xfrm>
+          <a:prstGeom prst="rect">
+            <a:avLst/>
+          </a:prstGeom>
+          <a:extLst>
+            <a:ext uri="{909E8E84-426E-40DD-AFC4-6F175D3DCCD1}">
+              <a14:hiddenFill xmlns:a14="http://schemas.microsoft.com/office/drawing/2010/main">
+                <a:solidFill>
+                  <a:srgbClr val="FFFFFF"/>
+                </a:solidFill>
+              </a14:hiddenFill>
+            </a:ext>
+          </a:extLst>
+        </p:spPr>
+      </p:pic>
+      <p:sp>
+        <p:nvSpPr>
+          <p:cNvPr id="6" name="Rectangle 5">
+            <a:extLst>
+              <a:ext uri="{FF2B5EF4-FFF2-40B4-BE49-F238E27FC236}">
+                <a16:creationId xmlns:a16="http://schemas.microsoft.com/office/drawing/2014/main" id="{02506F6E-739D-46C1-AF74-95E930538CAD}"/>
+              </a:ext>
+            </a:extLst>
+          </p:cNvPr>
+          <p:cNvSpPr/>
+          <p:nvPr/>
+        </p:nvSpPr>
+        <p:spPr>
+          <a:xfrm>
+            <a:off x="6479381" y="3908908"/>
+            <a:ext cx="1983581" cy="351235"/>
+          </a:xfrm>
+          <a:prstGeom prst="rect">
+            <a:avLst/>
+          </a:prstGeom>
+          <a:solidFill>
+            <a:srgbClr val="000000">
+              <a:alpha val="50000"/>
+            </a:srgbClr>
+          </a:solidFill>
+          <a:ln>
+            <a:noFill/>
+          </a:ln>
+        </p:spPr>
+        <p:txBody>
+          <a:bodyPr wrap="square" anchor="ctr">
+            <a:noAutofit/>
+          </a:bodyPr>
+          <a:lstStyle/>
+          <a:p>
+            <a:pPr algn="ctr">
+              <a:spcAft>
+                <a:spcPts val="450"/>
+              </a:spcAft>
+            </a:pPr>
+            <a:r>
+              <a:rPr lang="en-US" sz="1200" dirty="0">
+                <a:solidFill>
+                  <a:srgbClr val="FFFFFF"/>
+                </a:solidFill>
+              </a:rPr>
+              <a:t>Tic-tac-toe</a:t>
+            </a:r>
+          </a:p>
+        </p:txBody>
+      </p:sp>
+      <p:sp>
+        <p:nvSpPr>
+          <p:cNvPr id="2" name="Title 1">
+            <a:extLst>
+              <a:ext uri="{FF2B5EF4-FFF2-40B4-BE49-F238E27FC236}">
+                <a16:creationId xmlns:a16="http://schemas.microsoft.com/office/drawing/2014/main" id="{E0F39E30-6893-4BA5-A7BD-8CE03B569160}"/>
+              </a:ext>
+            </a:extLst>
+          </p:cNvPr>
+          <p:cNvSpPr>
+            <a:spLocks noGrp="1"/>
+          </p:cNvSpPr>
+          <p:nvPr>
+            <p:ph type="title"/>
+          </p:nvPr>
+        </p:nvSpPr>
+        <p:spPr/>
+        <p:txBody>
+          <a:bodyPr vert="horz" lIns="68580" tIns="34290" rIns="68580" bIns="34290" rtlCol="0" anchor="ctr">
+            <a:normAutofit/>
+          </a:bodyPr>
+          <a:lstStyle/>
+          <a:p>
+            <a:r>
+              <a:rPr lang="en-US" sz="3000" dirty="0"/>
+              <a:t>Examples: What is the </a:t>
+            </a:r>
+            <a:br>
+              <a:rPr lang="en-US" sz="3000" dirty="0"/>
+            </a:br>
+            <a:r>
+              <a:rPr lang="en-US" sz="3000" dirty="0"/>
+              <a:t>Search Complexity?</a:t>
+            </a:r>
+          </a:p>
+        </p:txBody>
+      </p:sp>
+      <p:sp>
+        <p:nvSpPr>
+          <p:cNvPr id="4" name="TextBox 3">
+            <a:extLst>
+              <a:ext uri="{FF2B5EF4-FFF2-40B4-BE49-F238E27FC236}">
+                <a16:creationId xmlns:a16="http://schemas.microsoft.com/office/drawing/2014/main" id="{8FCC58D6-DB77-4484-9D8D-2B3CEA578693}"/>
+              </a:ext>
+            </a:extLst>
+          </p:cNvPr>
+          <p:cNvSpPr txBox="1"/>
+          <p:nvPr/>
+        </p:nvSpPr>
+        <p:spPr>
+          <a:xfrm>
+            <a:off x="628650" y="1506023"/>
+            <a:ext cx="8058150" cy="369332"/>
+          </a:xfrm>
+          <a:prstGeom prst="rect">
+            <a:avLst/>
+          </a:prstGeom>
+          <a:noFill/>
+        </p:spPr>
+        <p:txBody>
+          <a:bodyPr wrap="square" rtlCol="0">
+            <a:spAutoFit/>
+          </a:bodyPr>
+          <a:lstStyle/>
+          <a:p>
+            <a:r>
+              <a:rPr lang="en-US" dirty="0"/>
+              <a:t>Often a rough upper limit is sufficient to determine how hard the search problem is.</a:t>
+            </a:r>
+          </a:p>
+        </p:txBody>
+      </p:sp>
+      <mc:AlternateContent xmlns:mc="http://schemas.openxmlformats.org/markup-compatibility/2006">
+        <mc:Choice xmlns:a14="http://schemas.microsoft.com/office/drawing/2010/main" Requires="a14">
+          <p:sp>
+            <p:nvSpPr>
+              <p:cNvPr id="3" name="TextBox 2">
+                <a:extLst>
+                  <a:ext uri="{FF2B5EF4-FFF2-40B4-BE49-F238E27FC236}">
+                    <a16:creationId xmlns:a16="http://schemas.microsoft.com/office/drawing/2014/main" id="{9BAAA905-860A-94E6-E3CF-51870995A788}"/>
+                  </a:ext>
+                </a:extLst>
+              </p:cNvPr>
+              <p:cNvSpPr txBox="1"/>
+              <p:nvPr/>
+            </p:nvSpPr>
+            <p:spPr>
+              <a:xfrm>
+                <a:off x="646942" y="4428647"/>
+                <a:ext cx="1143000" cy="923330"/>
+              </a:xfrm>
+              <a:prstGeom prst="rect">
+                <a:avLst/>
+              </a:prstGeom>
+              <a:noFill/>
+            </p:spPr>
+            <p:txBody>
+              <a:bodyPr wrap="square" rtlCol="0">
+                <a:spAutoFit/>
+              </a:bodyPr>
+              <a:lstStyle/>
+              <a:p>
+                <a14:m>
+                  <m:oMathPara xmlns:m="http://schemas.openxmlformats.org/officeDocument/2006/math">
+                    <m:oMathParaPr>
+                      <m:jc m:val="centerGroup"/>
+                    </m:oMathParaPr>
+                    <m:oMath xmlns:m="http://schemas.openxmlformats.org/officeDocument/2006/math">
+                      <m:r>
+                        <a:rPr lang="en-US" b="0" i="1" smtClean="0">
+                          <a:latin typeface="Cambria Math" panose="02040503050406030204" pitchFamily="18" charset="0"/>
+                        </a:rPr>
+                        <m:t>𝑏</m:t>
+                      </m:r>
+                      <m:r>
+                        <a:rPr lang="en-US" b="0" i="1" smtClean="0">
+                          <a:latin typeface="Cambria Math" panose="02040503050406030204" pitchFamily="18" charset="0"/>
+                        </a:rPr>
+                        <m:t> =</m:t>
+                      </m:r>
+                    </m:oMath>
+                  </m:oMathPara>
+                </a14:m>
+                <a:endParaRPr lang="en-US" b="0" dirty="0"/>
+              </a:p>
+              <a:p>
+                <a14:m>
+                  <m:oMathPara xmlns:m="http://schemas.openxmlformats.org/officeDocument/2006/math">
+                    <m:oMathParaPr>
+                      <m:jc m:val="centerGroup"/>
+                    </m:oMathParaPr>
+                    <m:oMath xmlns:m="http://schemas.openxmlformats.org/officeDocument/2006/math">
+                      <m:r>
+                        <a:rPr lang="en-US" b="0" i="1" smtClean="0">
+                          <a:latin typeface="Cambria Math" panose="02040503050406030204" pitchFamily="18" charset="0"/>
+                        </a:rPr>
+                        <m:t>𝑚</m:t>
+                      </m:r>
+                      <m:r>
+                        <a:rPr lang="en-US" b="0" i="1" smtClean="0">
+                          <a:latin typeface="Cambria Math" panose="02040503050406030204" pitchFamily="18" charset="0"/>
+                        </a:rPr>
+                        <m:t>=</m:t>
+                      </m:r>
+                    </m:oMath>
+                  </m:oMathPara>
+                </a14:m>
+                <a:endParaRPr lang="en-US" b="0" dirty="0"/>
+              </a:p>
+              <a:p>
+                <a14:m>
+                  <m:oMathPara xmlns:m="http://schemas.openxmlformats.org/officeDocument/2006/math">
+                    <m:oMathParaPr>
+                      <m:jc m:val="centerGroup"/>
+                    </m:oMathParaPr>
+                    <m:oMath xmlns:m="http://schemas.openxmlformats.org/officeDocument/2006/math">
+                      <m:r>
+                        <a:rPr lang="en-US" b="0" i="1" smtClean="0">
+                          <a:latin typeface="Cambria Math" panose="02040503050406030204" pitchFamily="18" charset="0"/>
+                        </a:rPr>
+                        <m:t>𝑑</m:t>
+                      </m:r>
+                      <m:r>
+                        <a:rPr lang="en-US" b="0" i="1" smtClean="0">
+                          <a:latin typeface="Cambria Math" panose="02040503050406030204" pitchFamily="18" charset="0"/>
+                        </a:rPr>
+                        <m:t> =</m:t>
+                      </m:r>
+                    </m:oMath>
+                  </m:oMathPara>
+                </a14:m>
+                <a:endParaRPr lang="en-US" dirty="0"/>
+              </a:p>
+            </p:txBody>
+          </p:sp>
+        </mc:Choice>
+        <mc:Fallback>
+          <p:sp>
+            <p:nvSpPr>
+              <p:cNvPr id="3" name="TextBox 2">
+                <a:extLst>
+                  <a:ext uri="{FF2B5EF4-FFF2-40B4-BE49-F238E27FC236}">
+                    <a16:creationId xmlns:a16="http://schemas.microsoft.com/office/drawing/2014/main" id="{9BAAA905-860A-94E6-E3CF-51870995A788}"/>
+                  </a:ext>
+                </a:extLst>
+              </p:cNvPr>
+              <p:cNvSpPr txBox="1">
+                <a:spLocks noRot="1" noChangeAspect="1" noMove="1" noResize="1" noEditPoints="1" noAdjustHandles="1" noChangeArrowheads="1" noChangeShapeType="1" noTextEdit="1"/>
+              </p:cNvSpPr>
+              <p:nvPr/>
+            </p:nvSpPr>
+            <p:spPr>
+              <a:xfrm>
+                <a:off x="646942" y="4428647"/>
+                <a:ext cx="1143000" cy="923330"/>
+              </a:xfrm>
+              <a:prstGeom prst="rect">
+                <a:avLst/>
+              </a:prstGeom>
+              <a:blipFill>
+                <a:blip r:embed="rId7"/>
+                <a:stretch>
+                  <a:fillRect/>
+                </a:stretch>
+              </a:blipFill>
+            </p:spPr>
+            <p:txBody>
+              <a:bodyPr/>
+              <a:lstStyle/>
+              <a:p>
+                <a:r>
+                  <a:rPr lang="en-US">
+                    <a:noFill/>
+                  </a:rPr>
+                  <a:t> </a:t>
+                </a:r>
+              </a:p>
+            </p:txBody>
+          </p:sp>
+        </mc:Fallback>
+      </mc:AlternateContent>
+      <mc:AlternateContent xmlns:mc="http://schemas.openxmlformats.org/markup-compatibility/2006">
+        <mc:Choice xmlns:a14="http://schemas.microsoft.com/office/drawing/2010/main" Requires="a14">
+          <p:sp>
+            <p:nvSpPr>
+              <p:cNvPr id="10" name="Rectangle 9">
+                <a:extLst>
+                  <a:ext uri="{FF2B5EF4-FFF2-40B4-BE49-F238E27FC236}">
+                    <a16:creationId xmlns:a16="http://schemas.microsoft.com/office/drawing/2014/main" id="{EE7B21E8-57C0-5AD0-E7B5-27323CF7027D}"/>
+                  </a:ext>
+                </a:extLst>
+              </p:cNvPr>
+              <p:cNvSpPr/>
+              <p:nvPr/>
+            </p:nvSpPr>
+            <p:spPr>
+              <a:xfrm>
+                <a:off x="5867400" y="607328"/>
+                <a:ext cx="2514600" cy="674031"/>
+              </a:xfrm>
+              <a:prstGeom prst="rect">
+                <a:avLst/>
+              </a:prstGeom>
+            </p:spPr>
+            <p:style>
+              <a:lnRef idx="2">
+                <a:schemeClr val="accent6">
+                  <a:shade val="15000"/>
+                </a:schemeClr>
+              </a:lnRef>
+              <a:fillRef idx="1">
+                <a:schemeClr val="accent6"/>
+              </a:fillRef>
+              <a:effectRef idx="0">
+                <a:schemeClr val="accent6"/>
+              </a:effectRef>
+              <a:fontRef idx="minor">
+                <a:schemeClr val="lt1"/>
+              </a:fontRef>
+            </p:style>
+            <p:txBody>
+              <a:bodyPr wrap="square">
+                <a:spAutoFit/>
+              </a:bodyPr>
+              <a:lstStyle/>
+              <a:p>
+                <a:pPr>
+                  <a:lnSpc>
+                    <a:spcPct val="90000"/>
+                  </a:lnSpc>
+                </a:pPr>
+                <a14:m>
+                  <m:oMath xmlns:m="http://schemas.openxmlformats.org/officeDocument/2006/math">
+                    <m:r>
+                      <a:rPr lang="en-US" sz="1400" i="1" dirty="0" smtClean="0">
+                        <a:latin typeface="Cambria Math" panose="02040503050406030204" pitchFamily="18" charset="0"/>
+                      </a:rPr>
+                      <m:t>𝑏</m:t>
+                    </m:r>
+                  </m:oMath>
+                </a14:m>
+                <a:r>
+                  <a:rPr lang="en-US" sz="1400" i="1" dirty="0"/>
+                  <a:t>:</a:t>
+                </a:r>
+                <a:r>
+                  <a:rPr lang="en-US" sz="1400" dirty="0"/>
+                  <a:t> maximum branching factor</a:t>
+                </a:r>
+                <a:endParaRPr lang="en-US" sz="1400" i="1" dirty="0"/>
+              </a:p>
+              <a:p>
+                <a:pPr>
+                  <a:lnSpc>
+                    <a:spcPct val="90000"/>
+                  </a:lnSpc>
+                </a:pPr>
+                <a14:m>
+                  <m:oMath xmlns:m="http://schemas.openxmlformats.org/officeDocument/2006/math">
+                    <m:r>
+                      <a:rPr lang="en-US" sz="1400" i="1" dirty="0" smtClean="0">
+                        <a:latin typeface="Cambria Math" panose="02040503050406030204" pitchFamily="18" charset="0"/>
+                      </a:rPr>
+                      <m:t>𝑚</m:t>
+                    </m:r>
+                  </m:oMath>
+                </a14:m>
+                <a:r>
+                  <a:rPr lang="en-US" sz="1400" i="1" dirty="0"/>
+                  <a:t>: </a:t>
+                </a:r>
+                <a:r>
+                  <a:rPr lang="en-US" sz="1400" dirty="0"/>
+                  <a:t>max. depth of tree</a:t>
+                </a:r>
+              </a:p>
+              <a:p>
+                <a:pPr>
+                  <a:lnSpc>
+                    <a:spcPct val="90000"/>
+                  </a:lnSpc>
+                </a:pPr>
+                <a14:m>
+                  <m:oMath xmlns:m="http://schemas.openxmlformats.org/officeDocument/2006/math">
+                    <m:r>
+                      <a:rPr lang="en-US" sz="1400" i="1" dirty="0" smtClean="0">
+                        <a:latin typeface="Cambria Math" panose="02040503050406030204" pitchFamily="18" charset="0"/>
+                      </a:rPr>
+                      <m:t>𝑑</m:t>
+                    </m:r>
+                  </m:oMath>
+                </a14:m>
+                <a:r>
+                  <a:rPr lang="en-US" sz="1400" i="1" dirty="0"/>
+                  <a:t>: </a:t>
+                </a:r>
+                <a:r>
+                  <a:rPr lang="en-US" sz="1400" dirty="0"/>
+                  <a:t>depth of the optimal solution</a:t>
+                </a:r>
+              </a:p>
+            </p:txBody>
+          </p:sp>
+        </mc:Choice>
+        <mc:Fallback>
+          <p:sp>
+            <p:nvSpPr>
+              <p:cNvPr id="10" name="Rectangle 9">
+                <a:extLst>
+                  <a:ext uri="{FF2B5EF4-FFF2-40B4-BE49-F238E27FC236}">
+                    <a16:creationId xmlns:a16="http://schemas.microsoft.com/office/drawing/2014/main" id="{EE7B21E8-57C0-5AD0-E7B5-27323CF7027D}"/>
+                  </a:ext>
+                </a:extLst>
+              </p:cNvPr>
+              <p:cNvSpPr>
+                <a:spLocks noRot="1" noChangeAspect="1" noMove="1" noResize="1" noEditPoints="1" noAdjustHandles="1" noChangeArrowheads="1" noChangeShapeType="1" noTextEdit="1"/>
+              </p:cNvSpPr>
+              <p:nvPr/>
+            </p:nvSpPr>
+            <p:spPr>
+              <a:xfrm>
+                <a:off x="5867400" y="607328"/>
+                <a:ext cx="2514600" cy="674031"/>
+              </a:xfrm>
+              <a:prstGeom prst="rect">
+                <a:avLst/>
+              </a:prstGeom>
+              <a:blipFill>
+                <a:blip r:embed="rId8"/>
+                <a:stretch>
+                  <a:fillRect t="-3571" b="-8036"/>
+                </a:stretch>
+              </a:blipFill>
+            </p:spPr>
+            <p:txBody>
+              <a:bodyPr/>
+              <a:lstStyle/>
+              <a:p>
+                <a:r>
+                  <a:rPr lang="en-US">
+                    <a:noFill/>
+                  </a:rPr>
+                  <a:t> </a:t>
+                </a:r>
+              </a:p>
+            </p:txBody>
+          </p:sp>
+        </mc:Fallback>
+      </mc:AlternateContent>
+    </p:spTree>
+    <p:extLst>
+      <p:ext uri="{BB962C8B-B14F-4D97-AF65-F5344CB8AC3E}">
+        <p14:creationId xmlns:p14="http://schemas.microsoft.com/office/powerpoint/2010/main" val="4185064401"/>
+      </p:ext>
+    </p:extLst>
+  </p:cSld>
+  <p:clrMapOvr>
+    <a:masterClrMapping/>
+  </p:clrMapOvr>
+</p:sld>
+</file>
+
+<file path=ppt/slides/slide11.xml><?xml version="1.0" encoding="utf-8"?>
+<p:sld xmlns:a="http://schemas.openxmlformats.org/drawingml/2006/main" xmlns:r="http://schemas.openxmlformats.org/officeDocument/2006/relationships" xmlns:p="http://schemas.openxmlformats.org/presentationml/2006/main" show="0">
+  <p:cSld>
+    <p:spTree>
+      <p:nvGrpSpPr>
+        <p:cNvPr id="1" name="">
+          <a:extLst>
+            <a:ext uri="{FF2B5EF4-FFF2-40B4-BE49-F238E27FC236}">
+              <a16:creationId xmlns:a16="http://schemas.microsoft.com/office/drawing/2014/main" id="{641009B0-C3B3-4372-8611-9599815018B5}"/>
+            </a:ext>
+          </a:extLst>
+        </p:cNvPr>
+        <p:cNvGrpSpPr/>
+        <p:nvPr/>
+      </p:nvGrpSpPr>
+      <p:grpSpPr>
+        <a:xfrm>
+          <a:off x="0" y="0"/>
+          <a:ext cx="0" cy="0"/>
+          <a:chOff x="0" y="0"/>
+          <a:chExt cx="0" cy="0"/>
+        </a:xfrm>
+      </p:grpSpPr>
+      <p:pic>
+        <p:nvPicPr>
+          <p:cNvPr id="1032" name="Picture 8" descr="MAZE. In Black and White.&quot; Art Board Print by TOMSREDBUBBLE | Redbubble">
+            <a:extLst>
+              <a:ext uri="{FF2B5EF4-FFF2-40B4-BE49-F238E27FC236}">
+                <a16:creationId xmlns:a16="http://schemas.microsoft.com/office/drawing/2014/main" id="{919FC951-B8E8-5127-A904-DE8A7AF32B7E}"/>
+              </a:ext>
+            </a:extLst>
+          </p:cNvPr>
+          <p:cNvPicPr>
+            <a:picLocks noChangeAspect="1" noChangeArrowheads="1"/>
+          </p:cNvPicPr>
+          <p:nvPr/>
+        </p:nvPicPr>
+        <p:blipFill rotWithShape="1">
+          <a:blip r:embed="rId2" cstate="print">
+            <a:extLst>
+              <a:ext uri="{28A0092B-C50C-407E-A947-70E740481C1C}">
+                <a14:useLocalDpi xmlns:a14="http://schemas.microsoft.com/office/drawing/2010/main" val="0"/>
+              </a:ext>
+            </a:extLst>
+          </a:blip>
+          <a:srcRect t="13335" b="12480"/>
+          <a:stretch/>
+        </p:blipFill>
+        <p:spPr bwMode="auto">
+          <a:xfrm>
+            <a:off x="914400" y="2133600"/>
+            <a:ext cx="1778794" cy="1758554"/>
+          </a:xfrm>
+          <a:prstGeom prst="rect">
+            <a:avLst/>
+          </a:prstGeom>
+          <a:extLst>
+            <a:ext uri="{909E8E84-426E-40DD-AFC4-6F175D3DCCD1}">
+              <a14:hiddenFill xmlns:a14="http://schemas.microsoft.com/office/drawing/2010/main">
+                <a:solidFill>
+                  <a:srgbClr val="FFFFFF"/>
+                </a:solidFill>
+              </a14:hiddenFill>
+            </a:ext>
+          </a:extLst>
+        </p:spPr>
+      </p:pic>
+      <p:sp>
+        <p:nvSpPr>
+          <p:cNvPr id="8" name="Rectangle 7">
+            <a:extLst>
+              <a:ext uri="{FF2B5EF4-FFF2-40B4-BE49-F238E27FC236}">
+                <a16:creationId xmlns:a16="http://schemas.microsoft.com/office/drawing/2014/main" id="{1DA3F89B-1168-673A-0662-D7E903AC24FB}"/>
+              </a:ext>
+            </a:extLst>
+          </p:cNvPr>
+          <p:cNvSpPr/>
+          <p:nvPr/>
+        </p:nvSpPr>
+        <p:spPr>
+          <a:xfrm>
+            <a:off x="914400" y="3908908"/>
+            <a:ext cx="1778794" cy="351235"/>
+          </a:xfrm>
+          <a:prstGeom prst="rect">
+            <a:avLst/>
+          </a:prstGeom>
+          <a:solidFill>
+            <a:srgbClr val="000000">
+              <a:alpha val="50000"/>
+            </a:srgbClr>
+          </a:solidFill>
+          <a:ln>
+            <a:noFill/>
+          </a:ln>
+        </p:spPr>
+        <p:txBody>
+          <a:bodyPr wrap="square" anchor="ctr">
+            <a:noAutofit/>
+          </a:bodyPr>
+          <a:lstStyle/>
+          <a:p>
+            <a:pPr algn="ctr">
+              <a:spcAft>
+                <a:spcPts val="450"/>
+              </a:spcAft>
+            </a:pPr>
+            <a:r>
+              <a:rPr lang="en-US" sz="1200">
+                <a:solidFill>
+                  <a:srgbClr val="FFFFFF"/>
+                </a:solidFill>
+              </a:rPr>
+              <a:t>Maze</a:t>
+            </a:r>
+          </a:p>
+        </p:txBody>
+      </p:sp>
+      <p:pic>
+        <p:nvPicPr>
+          <p:cNvPr id="1028" name="Picture 4" descr="The eight queens puzzle in Python | Solarian Programmer">
+            <a:extLst>
+              <a:ext uri="{FF2B5EF4-FFF2-40B4-BE49-F238E27FC236}">
+                <a16:creationId xmlns:a16="http://schemas.microsoft.com/office/drawing/2014/main" id="{4DBDC790-C2DE-54FB-0690-FAADFEB25229}"/>
+              </a:ext>
+            </a:extLst>
+          </p:cNvPr>
+          <p:cNvPicPr>
+            <a:picLocks noChangeAspect="1" noChangeArrowheads="1"/>
+          </p:cNvPicPr>
+          <p:nvPr/>
+        </p:nvPicPr>
+        <p:blipFill>
+          <a:blip r:embed="rId3">
+            <a:extLst>
+              <a:ext uri="{28A0092B-C50C-407E-A947-70E740481C1C}">
+                <a14:useLocalDpi xmlns:a14="http://schemas.microsoft.com/office/drawing/2010/main" val="0"/>
+              </a:ext>
+            </a:extLst>
+          </a:blip>
+          <a:stretch>
+            <a:fillRect/>
+          </a:stretch>
+        </p:blipFill>
+        <p:spPr bwMode="auto">
+          <a:xfrm>
+            <a:off x="2743200" y="2133600"/>
+            <a:ext cx="1759744" cy="1758554"/>
+          </a:xfrm>
+          <a:prstGeom prst="rect">
+            <a:avLst/>
+          </a:prstGeom>
+          <a:extLst>
+            <a:ext uri="{909E8E84-426E-40DD-AFC4-6F175D3DCCD1}">
+              <a14:hiddenFill xmlns:a14="http://schemas.microsoft.com/office/drawing/2010/main">
+                <a:solidFill>
+                  <a:srgbClr val="FFFFFF"/>
+                </a:solidFill>
+              </a14:hiddenFill>
+            </a:ext>
+          </a:extLst>
+        </p:spPr>
+      </p:pic>
+      <p:sp>
+        <p:nvSpPr>
+          <p:cNvPr id="7" name="Rectangle 6">
+            <a:extLst>
+              <a:ext uri="{FF2B5EF4-FFF2-40B4-BE49-F238E27FC236}">
+                <a16:creationId xmlns:a16="http://schemas.microsoft.com/office/drawing/2014/main" id="{00581061-96C1-8410-9D29-EB45FBCEAB2F}"/>
+              </a:ext>
+            </a:extLst>
+          </p:cNvPr>
+          <p:cNvSpPr/>
+          <p:nvPr/>
+        </p:nvSpPr>
+        <p:spPr>
+          <a:xfrm>
+            <a:off x="2743200" y="3908908"/>
+            <a:ext cx="1759744" cy="351235"/>
+          </a:xfrm>
+          <a:prstGeom prst="rect">
+            <a:avLst/>
+          </a:prstGeom>
+          <a:solidFill>
+            <a:srgbClr val="000000">
+              <a:alpha val="50000"/>
+            </a:srgbClr>
+          </a:solidFill>
+          <a:ln>
+            <a:noFill/>
+          </a:ln>
+        </p:spPr>
+        <p:txBody>
+          <a:bodyPr wrap="square" anchor="ctr">
+            <a:noAutofit/>
+          </a:bodyPr>
+          <a:lstStyle/>
+          <a:p>
+            <a:pPr algn="ctr">
+              <a:spcAft>
+                <a:spcPts val="450"/>
+              </a:spcAft>
+            </a:pPr>
+            <a:r>
+              <a:rPr lang="en-US" sz="1200" dirty="0">
+                <a:solidFill>
+                  <a:srgbClr val="FFFFFF"/>
+                </a:solidFill>
+              </a:rPr>
+              <a:t>8-queens problem</a:t>
+            </a:r>
+          </a:p>
+        </p:txBody>
+      </p:sp>
+      <p:pic>
+        <p:nvPicPr>
+          <p:cNvPr id="1026" name="Picture 2">
+            <a:extLst>
+              <a:ext uri="{FF2B5EF4-FFF2-40B4-BE49-F238E27FC236}">
+                <a16:creationId xmlns:a16="http://schemas.microsoft.com/office/drawing/2014/main" id="{CB0CAEA0-4BD4-D1B6-4861-331017057E04}"/>
+              </a:ext>
+            </a:extLst>
+          </p:cNvPr>
+          <p:cNvPicPr>
+            <a:picLocks noChangeAspect="1" noChangeArrowheads="1"/>
+          </p:cNvPicPr>
+          <p:nvPr/>
+        </p:nvPicPr>
+        <p:blipFill rotWithShape="1">
+          <a:blip r:embed="rId4">
+            <a:extLst>
+              <a:ext uri="{28A0092B-C50C-407E-A947-70E740481C1C}">
+                <a14:useLocalDpi xmlns:a14="http://schemas.microsoft.com/office/drawing/2010/main" val="0"/>
+              </a:ext>
+            </a:extLst>
+          </a:blip>
+          <a:srcRect r="54439"/>
+          <a:stretch/>
+        </p:blipFill>
+        <p:spPr bwMode="auto">
+          <a:xfrm>
+            <a:off x="4554139" y="2133600"/>
+            <a:ext cx="1872854" cy="1758554"/>
+          </a:xfrm>
+          <a:prstGeom prst="rect">
+            <a:avLst/>
+          </a:prstGeom>
+          <a:extLst>
+            <a:ext uri="{909E8E84-426E-40DD-AFC4-6F175D3DCCD1}">
+              <a14:hiddenFill xmlns:a14="http://schemas.microsoft.com/office/drawing/2010/main">
+                <a:solidFill>
+                  <a:srgbClr val="FFFFFF"/>
+                </a:solidFill>
+              </a14:hiddenFill>
+            </a:ext>
+          </a:extLst>
+        </p:spPr>
+      </p:pic>
+      <p:sp>
+        <p:nvSpPr>
+          <p:cNvPr id="5" name="Rectangle 4">
+            <a:extLst>
+              <a:ext uri="{FF2B5EF4-FFF2-40B4-BE49-F238E27FC236}">
+                <a16:creationId xmlns:a16="http://schemas.microsoft.com/office/drawing/2014/main" id="{725794C8-869A-4446-ED77-AA84F07764F7}"/>
+              </a:ext>
+            </a:extLst>
+          </p:cNvPr>
+          <p:cNvSpPr/>
+          <p:nvPr/>
+        </p:nvSpPr>
+        <p:spPr>
+          <a:xfrm>
+            <a:off x="4554139" y="3908908"/>
+            <a:ext cx="1872854" cy="351235"/>
+          </a:xfrm>
+          <a:prstGeom prst="rect">
+            <a:avLst/>
+          </a:prstGeom>
+          <a:solidFill>
+            <a:srgbClr val="000000">
+              <a:alpha val="50000"/>
+            </a:srgbClr>
+          </a:solidFill>
+          <a:ln>
+            <a:noFill/>
+          </a:ln>
+        </p:spPr>
+        <p:txBody>
+          <a:bodyPr wrap="square" anchor="ctr">
+            <a:noAutofit/>
+          </a:bodyPr>
+          <a:lstStyle/>
+          <a:p>
+            <a:pPr algn="ctr">
+              <a:spcAft>
+                <a:spcPts val="450"/>
+              </a:spcAft>
+            </a:pPr>
+            <a:r>
+              <a:rPr lang="en-US" sz="1200" dirty="0">
+                <a:solidFill>
+                  <a:srgbClr val="FFFFFF"/>
+                </a:solidFill>
+              </a:rPr>
+              <a:t>8-puzzle problem</a:t>
+            </a:r>
+          </a:p>
+        </p:txBody>
+      </p:sp>
+      <p:pic>
+        <p:nvPicPr>
+          <p:cNvPr id="1030" name="Picture 6" descr="Tic-tac-toe - Wikipedia">
+            <a:extLst>
+              <a:ext uri="{FF2B5EF4-FFF2-40B4-BE49-F238E27FC236}">
+                <a16:creationId xmlns:a16="http://schemas.microsoft.com/office/drawing/2014/main" id="{414EA962-7633-FF8E-D45A-CD621CE39C0C}"/>
+              </a:ext>
+            </a:extLst>
+          </p:cNvPr>
+          <p:cNvPicPr>
+            <a:picLocks noChangeAspect="1" noChangeArrowheads="1"/>
+          </p:cNvPicPr>
+          <p:nvPr/>
+        </p:nvPicPr>
+        <p:blipFill>
+          <a:blip r:embed="rId5" cstate="print">
+            <a:biLevel thresh="25000"/>
+            <a:extLst>
+              <a:ext uri="{BEBA8EAE-BF5A-486C-A8C5-ECC9F3942E4B}">
+                <a14:imgProps xmlns:a14="http://schemas.microsoft.com/office/drawing/2010/main">
+                  <a14:imgLayer r:embed="rId6">
+                    <a14:imgEffect>
+                      <a14:saturation sat="33000"/>
+                    </a14:imgEffect>
+                  </a14:imgLayer>
+                </a14:imgProps>
+              </a:ext>
+              <a:ext uri="{28A0092B-C50C-407E-A947-70E740481C1C}">
+                <a14:useLocalDpi xmlns:a14="http://schemas.microsoft.com/office/drawing/2010/main" val="0"/>
+              </a:ext>
+            </a:extLst>
+          </a:blip>
+          <a:stretch>
+            <a:fillRect/>
+          </a:stretch>
+        </p:blipFill>
+        <p:spPr bwMode="auto">
+          <a:xfrm>
+            <a:off x="6479381" y="2133600"/>
+            <a:ext cx="1983581" cy="1758554"/>
+          </a:xfrm>
+          <a:prstGeom prst="rect">
+            <a:avLst/>
+          </a:prstGeom>
+          <a:extLst>
+            <a:ext uri="{909E8E84-426E-40DD-AFC4-6F175D3DCCD1}">
+              <a14:hiddenFill xmlns:a14="http://schemas.microsoft.com/office/drawing/2010/main">
+                <a:solidFill>
+                  <a:srgbClr val="FFFFFF"/>
+                </a:solidFill>
+              </a14:hiddenFill>
+            </a:ext>
+          </a:extLst>
+        </p:spPr>
+      </p:pic>
+      <p:sp>
+        <p:nvSpPr>
+          <p:cNvPr id="6" name="Rectangle 5">
+            <a:extLst>
+              <a:ext uri="{FF2B5EF4-FFF2-40B4-BE49-F238E27FC236}">
+                <a16:creationId xmlns:a16="http://schemas.microsoft.com/office/drawing/2014/main" id="{93731585-6367-DB65-4FDC-B99E58BC7526}"/>
+              </a:ext>
+            </a:extLst>
+          </p:cNvPr>
+          <p:cNvSpPr/>
+          <p:nvPr/>
+        </p:nvSpPr>
+        <p:spPr>
+          <a:xfrm>
+            <a:off x="6479381" y="3908908"/>
+            <a:ext cx="1983581" cy="351235"/>
+          </a:xfrm>
+          <a:prstGeom prst="rect">
+            <a:avLst/>
+          </a:prstGeom>
+          <a:solidFill>
+            <a:srgbClr val="000000">
+              <a:alpha val="50000"/>
+            </a:srgbClr>
+          </a:solidFill>
+          <a:ln>
+            <a:noFill/>
+          </a:ln>
+        </p:spPr>
+        <p:txBody>
+          <a:bodyPr wrap="square" anchor="ctr">
+            <a:noAutofit/>
+          </a:bodyPr>
+          <a:lstStyle/>
+          <a:p>
+            <a:pPr algn="ctr">
+              <a:spcAft>
+                <a:spcPts val="450"/>
+              </a:spcAft>
+            </a:pPr>
+            <a:r>
+              <a:rPr lang="en-US" sz="1200" dirty="0">
+                <a:solidFill>
+                  <a:srgbClr val="FFFFFF"/>
+                </a:solidFill>
+              </a:rPr>
+              <a:t>Tic-tac-toe</a:t>
+            </a:r>
+          </a:p>
+        </p:txBody>
+      </p:sp>
+      <p:sp>
+        <p:nvSpPr>
+          <p:cNvPr id="2" name="Title 1">
+            <a:extLst>
+              <a:ext uri="{FF2B5EF4-FFF2-40B4-BE49-F238E27FC236}">
+                <a16:creationId xmlns:a16="http://schemas.microsoft.com/office/drawing/2014/main" id="{C32EB4C7-5944-5D61-664F-D8ECDA4D36EC}"/>
+              </a:ext>
+            </a:extLst>
+          </p:cNvPr>
+          <p:cNvSpPr>
+            <a:spLocks noGrp="1"/>
+          </p:cNvSpPr>
+          <p:nvPr>
+            <p:ph type="title"/>
+          </p:nvPr>
+        </p:nvSpPr>
+        <p:spPr/>
+        <p:txBody>
+          <a:bodyPr vert="horz" lIns="68580" tIns="34290" rIns="68580" bIns="34290" rtlCol="0" anchor="ctr">
+            <a:normAutofit/>
+          </a:bodyPr>
+          <a:lstStyle/>
+          <a:p>
+            <a:r>
+              <a:rPr lang="en-US" sz="3000" dirty="0"/>
+              <a:t>Examples: What is the </a:t>
+            </a:r>
+            <a:br>
+              <a:rPr lang="en-US" sz="3000" dirty="0"/>
+            </a:br>
+            <a:r>
+              <a:rPr lang="en-US" sz="3000" dirty="0"/>
+              <a:t>Search Complexity?</a:t>
+            </a:r>
+          </a:p>
+        </p:txBody>
+      </p:sp>
+      <p:sp>
+        <p:nvSpPr>
+          <p:cNvPr id="4" name="TextBox 3">
+            <a:extLst>
+              <a:ext uri="{FF2B5EF4-FFF2-40B4-BE49-F238E27FC236}">
+                <a16:creationId xmlns:a16="http://schemas.microsoft.com/office/drawing/2014/main" id="{95CDD5FF-CBDC-A4B1-03FE-A5241EEC062C}"/>
+              </a:ext>
+            </a:extLst>
+          </p:cNvPr>
+          <p:cNvSpPr txBox="1"/>
+          <p:nvPr/>
+        </p:nvSpPr>
+        <p:spPr>
+          <a:xfrm>
+            <a:off x="628650" y="1506023"/>
+            <a:ext cx="8058150" cy="369332"/>
+          </a:xfrm>
+          <a:prstGeom prst="rect">
+            <a:avLst/>
+          </a:prstGeom>
+          <a:noFill/>
+        </p:spPr>
+        <p:txBody>
+          <a:bodyPr wrap="square" rtlCol="0">
+            <a:spAutoFit/>
+          </a:bodyPr>
+          <a:lstStyle/>
+          <a:p>
+            <a:r>
+              <a:rPr lang="en-US" dirty="0"/>
+              <a:t>Often a rough upper limit is sufficient to determine how hard the search problem is.</a:t>
+            </a:r>
+          </a:p>
+        </p:txBody>
+      </p:sp>
+      <p:cxnSp>
+        <p:nvCxnSpPr>
+          <p:cNvPr id="15" name="Straight Connector 14">
+            <a:extLst>
+              <a:ext uri="{FF2B5EF4-FFF2-40B4-BE49-F238E27FC236}">
+                <a16:creationId xmlns:a16="http://schemas.microsoft.com/office/drawing/2014/main" id="{3D01DA36-F4F3-A135-DF09-7FB207F88BFC}"/>
+              </a:ext>
+            </a:extLst>
+          </p:cNvPr>
+          <p:cNvCxnSpPr/>
+          <p:nvPr/>
+        </p:nvCxnSpPr>
+        <p:spPr>
+          <a:xfrm>
+            <a:off x="2693194" y="4343400"/>
+            <a:ext cx="0" cy="1981200"/>
+          </a:xfrm>
+          <a:prstGeom prst="line">
+            <a:avLst/>
+          </a:prstGeom>
+          <a:ln w="12700" cap="flat" cmpd="sng" algn="ctr">
+            <a:solidFill>
+              <a:schemeClr val="accent3"/>
+            </a:solidFill>
+            <a:prstDash val="dash"/>
+            <a:round/>
+            <a:headEnd type="none" w="med" len="med"/>
+            <a:tailEnd type="none" w="med" len="med"/>
+          </a:ln>
+        </p:spPr>
+        <p:style>
+          <a:lnRef idx="0">
+            <a:scrgbClr r="0" g="0" b="0"/>
+          </a:lnRef>
+          <a:fillRef idx="0">
+            <a:scrgbClr r="0" g="0" b="0"/>
+          </a:fillRef>
+          <a:effectRef idx="0">
+            <a:scrgbClr r="0" g="0" b="0"/>
+          </a:effectRef>
+          <a:fontRef idx="minor">
+            <a:schemeClr val="tx1"/>
+          </a:fontRef>
+        </p:style>
+      </p:cxnSp>
+      <p:cxnSp>
+        <p:nvCxnSpPr>
+          <p:cNvPr id="16" name="Straight Connector 15">
+            <a:extLst>
+              <a:ext uri="{FF2B5EF4-FFF2-40B4-BE49-F238E27FC236}">
+                <a16:creationId xmlns:a16="http://schemas.microsoft.com/office/drawing/2014/main" id="{8CF66C1F-4B47-8B1B-8497-94886E691E2B}"/>
+              </a:ext>
+            </a:extLst>
+          </p:cNvPr>
+          <p:cNvCxnSpPr/>
+          <p:nvPr/>
+        </p:nvCxnSpPr>
+        <p:spPr>
+          <a:xfrm>
+            <a:off x="4554139" y="4343400"/>
+            <a:ext cx="0" cy="1981200"/>
+          </a:xfrm>
+          <a:prstGeom prst="line">
+            <a:avLst/>
+          </a:prstGeom>
+          <a:ln w="12700" cap="flat" cmpd="sng" algn="ctr">
+            <a:solidFill>
+              <a:schemeClr val="accent3"/>
+            </a:solidFill>
+            <a:prstDash val="dash"/>
+            <a:round/>
+            <a:headEnd type="none" w="med" len="med"/>
+            <a:tailEnd type="none" w="med" len="med"/>
+          </a:ln>
+        </p:spPr>
+        <p:style>
+          <a:lnRef idx="0">
+            <a:scrgbClr r="0" g="0" b="0"/>
+          </a:lnRef>
+          <a:fillRef idx="0">
+            <a:scrgbClr r="0" g="0" b="0"/>
+          </a:fillRef>
+          <a:effectRef idx="0">
+            <a:scrgbClr r="0" g="0" b="0"/>
+          </a:effectRef>
+          <a:fontRef idx="minor">
+            <a:schemeClr val="tx1"/>
+          </a:fontRef>
+        </p:style>
+      </p:cxnSp>
+      <p:cxnSp>
+        <p:nvCxnSpPr>
+          <p:cNvPr id="17" name="Straight Connector 16">
+            <a:extLst>
+              <a:ext uri="{FF2B5EF4-FFF2-40B4-BE49-F238E27FC236}">
+                <a16:creationId xmlns:a16="http://schemas.microsoft.com/office/drawing/2014/main" id="{82AC0B37-DD12-F003-69A2-759148500B35}"/>
+              </a:ext>
+            </a:extLst>
+          </p:cNvPr>
+          <p:cNvCxnSpPr/>
+          <p:nvPr/>
+        </p:nvCxnSpPr>
+        <p:spPr>
+          <a:xfrm>
+            <a:off x="6479381" y="4343400"/>
+            <a:ext cx="0" cy="1981200"/>
+          </a:xfrm>
+          <a:prstGeom prst="line">
+            <a:avLst/>
+          </a:prstGeom>
+          <a:ln w="12700" cap="flat" cmpd="sng" algn="ctr">
+            <a:solidFill>
+              <a:schemeClr val="accent3"/>
+            </a:solidFill>
+            <a:prstDash val="dash"/>
+            <a:round/>
+            <a:headEnd type="none" w="med" len="med"/>
+            <a:tailEnd type="none" w="med" len="med"/>
+          </a:ln>
+        </p:spPr>
+        <p:style>
+          <a:lnRef idx="0">
+            <a:scrgbClr r="0" g="0" b="0"/>
+          </a:lnRef>
+          <a:fillRef idx="0">
+            <a:scrgbClr r="0" g="0" b="0"/>
+          </a:fillRef>
+          <a:effectRef idx="0">
+            <a:scrgbClr r="0" g="0" b="0"/>
+          </a:effectRef>
+          <a:fontRef idx="minor">
+            <a:schemeClr val="tx1"/>
+          </a:fontRef>
+        </p:style>
+      </p:cxnSp>
+      <mc:AlternateContent xmlns:mc="http://schemas.openxmlformats.org/markup-compatibility/2006">
+        <mc:Choice xmlns:a14="http://schemas.microsoft.com/office/drawing/2010/main" Requires="a14">
+          <p:sp>
+            <p:nvSpPr>
+              <p:cNvPr id="14" name="TextBox 13">
+                <a:extLst>
+                  <a:ext uri="{FF2B5EF4-FFF2-40B4-BE49-F238E27FC236}">
+                    <a16:creationId xmlns:a16="http://schemas.microsoft.com/office/drawing/2014/main" id="{684B0078-B220-5B9D-D9C6-448A9B7D1D41}"/>
+                  </a:ext>
+                </a:extLst>
+              </p:cNvPr>
+              <p:cNvSpPr txBox="1"/>
+              <p:nvPr/>
+            </p:nvSpPr>
+            <p:spPr>
+              <a:xfrm>
+                <a:off x="879387" y="4329545"/>
+                <a:ext cx="1702373" cy="1538883"/>
+              </a:xfrm>
+              <a:prstGeom prst="rect">
+                <a:avLst/>
+              </a:prstGeom>
+              <a:noFill/>
+            </p:spPr>
+            <p:txBody>
+              <a:bodyPr wrap="square" rtlCol="0">
+                <a:spAutoFit/>
+              </a:bodyPr>
+              <a:lstStyle/>
+              <a:p>
+                <a:pPr indent="-457200">
+                  <a:spcBef>
+                    <a:spcPts val="600"/>
+                  </a:spcBef>
+                </a:pPr>
+                <a14:m>
+                  <m:oMath xmlns:m="http://schemas.openxmlformats.org/officeDocument/2006/math">
+                    <m:r>
+                      <a:rPr lang="en-US" sz="1200" b="0" i="1" smtClean="0">
+                        <a:latin typeface="Cambria Math" panose="02040503050406030204" pitchFamily="18" charset="0"/>
+                      </a:rPr>
+                      <m:t>𝑏</m:t>
+                    </m:r>
+                    <m:r>
+                      <a:rPr lang="en-US" sz="1200" b="0" i="1" smtClean="0">
+                        <a:latin typeface="Cambria Math" panose="02040503050406030204" pitchFamily="18" charset="0"/>
+                      </a:rPr>
+                      <m:t> =4</m:t>
+                    </m:r>
+                  </m:oMath>
+                </a14:m>
+                <a:r>
+                  <a:rPr lang="en-US" sz="1200" b="0" dirty="0"/>
+                  <a:t> actions</a:t>
+                </a:r>
+                <a:endParaRPr lang="en-US" sz="1200" b="0" i="1" dirty="0">
+                  <a:latin typeface="Cambria Math" panose="02040503050406030204" pitchFamily="18" charset="0"/>
+                </a:endParaRPr>
+              </a:p>
+              <a:p>
+                <a:pPr indent="-457200">
+                  <a:spcBef>
+                    <a:spcPts val="600"/>
+                  </a:spcBef>
+                </a:pPr>
+                <a14:m>
+                  <m:oMath xmlns:m="http://schemas.openxmlformats.org/officeDocument/2006/math">
+                    <m:r>
+                      <a:rPr lang="en-US" sz="1200" b="0" i="1" smtClean="0">
+                        <a:latin typeface="Cambria Math" panose="02040503050406030204" pitchFamily="18" charset="0"/>
+                      </a:rPr>
+                      <m:t>𝑚</m:t>
+                    </m:r>
+                    <m:r>
+                      <a:rPr lang="en-US" sz="1200" b="0" i="1" smtClean="0">
+                        <a:latin typeface="Cambria Math" panose="02040503050406030204" pitchFamily="18" charset="0"/>
+                      </a:rPr>
+                      <m:t>=</m:t>
+                    </m:r>
+                  </m:oMath>
+                </a14:m>
+                <a:r>
+                  <a:rPr lang="en-US" sz="1200" b="0" dirty="0"/>
+                  <a:t> longest path to the goal or a dead end (bounded by </a:t>
+                </a:r>
+                <a14:m>
+                  <m:oMath xmlns:m="http://schemas.openxmlformats.org/officeDocument/2006/math">
+                    <m:r>
+                      <a:rPr lang="en-US" sz="1200" b="0" i="1" dirty="0" smtClean="0">
+                        <a:latin typeface="Cambria Math" panose="02040503050406030204" pitchFamily="18" charset="0"/>
+                      </a:rPr>
+                      <m:t>𝑥</m:t>
+                    </m:r>
+                    <m:r>
+                      <a:rPr lang="en-US" sz="1200" b="0" i="1" dirty="0" smtClean="0">
+                        <a:latin typeface="Cambria Math" panose="02040503050406030204" pitchFamily="18" charset="0"/>
+                      </a:rPr>
+                      <m:t>×</m:t>
+                    </m:r>
+                    <m:r>
+                      <a:rPr lang="en-US" sz="1200" b="0" i="1" dirty="0" smtClean="0">
+                        <a:latin typeface="Cambria Math" panose="02040503050406030204" pitchFamily="18" charset="0"/>
+                      </a:rPr>
+                      <m:t>𝑦</m:t>
+                    </m:r>
+                  </m:oMath>
+                </a14:m>
+                <a:r>
+                  <a:rPr lang="en-US" sz="1200" b="0" dirty="0"/>
+                  <a:t>)</a:t>
+                </a:r>
+                <a:endParaRPr lang="en-US" sz="1200" b="0" i="1" dirty="0">
+                  <a:latin typeface="Cambria Math" panose="02040503050406030204" pitchFamily="18" charset="0"/>
+                </a:endParaRPr>
+              </a:p>
+              <a:p>
+                <a:pPr indent="-457200">
+                  <a:spcBef>
+                    <a:spcPts val="600"/>
+                  </a:spcBef>
+                </a:pPr>
+                <a14:m>
+                  <m:oMath xmlns:m="http://schemas.openxmlformats.org/officeDocument/2006/math">
+                    <m:r>
+                      <a:rPr lang="en-US" sz="1200" b="0" i="1" smtClean="0">
+                        <a:latin typeface="Cambria Math" panose="02040503050406030204" pitchFamily="18" charset="0"/>
+                      </a:rPr>
+                      <m:t>𝑑</m:t>
+                    </m:r>
+                    <m:r>
+                      <a:rPr lang="en-US" sz="1200" b="0" i="1" smtClean="0">
+                        <a:latin typeface="Cambria Math" panose="02040503050406030204" pitchFamily="18" charset="0"/>
+                      </a:rPr>
+                      <m:t> =</m:t>
+                    </m:r>
+                  </m:oMath>
+                </a14:m>
+                <a:r>
+                  <a:rPr lang="en-US" sz="1200" dirty="0"/>
+                  <a:t> shortest path to the goal (bounded by </a:t>
+                </a:r>
+                <a14:m>
+                  <m:oMath xmlns:m="http://schemas.openxmlformats.org/officeDocument/2006/math">
+                    <m:r>
+                      <a:rPr lang="en-US" sz="1200" i="1" dirty="0">
+                        <a:latin typeface="Cambria Math" panose="02040503050406030204" pitchFamily="18" charset="0"/>
+                      </a:rPr>
+                      <m:t>𝑥</m:t>
+                    </m:r>
+                    <m:r>
+                      <a:rPr lang="en-US" sz="1200" i="1" dirty="0">
+                        <a:latin typeface="Cambria Math" panose="02040503050406030204" pitchFamily="18" charset="0"/>
+                      </a:rPr>
+                      <m:t>×</m:t>
+                    </m:r>
+                    <m:r>
+                      <a:rPr lang="en-US" sz="1200" i="1" dirty="0">
+                        <a:latin typeface="Cambria Math" panose="02040503050406030204" pitchFamily="18" charset="0"/>
+                      </a:rPr>
+                      <m:t>𝑦</m:t>
+                    </m:r>
+                  </m:oMath>
+                </a14:m>
+                <a:r>
+                  <a:rPr lang="en-US" sz="1200" dirty="0"/>
+                  <a:t>)</a:t>
+                </a:r>
+              </a:p>
+            </p:txBody>
+          </p:sp>
+        </mc:Choice>
+        <mc:Fallback>
+          <p:sp>
+            <p:nvSpPr>
+              <p:cNvPr id="14" name="TextBox 13">
+                <a:extLst>
+                  <a:ext uri="{FF2B5EF4-FFF2-40B4-BE49-F238E27FC236}">
+                    <a16:creationId xmlns:a16="http://schemas.microsoft.com/office/drawing/2014/main" id="{684B0078-B220-5B9D-D9C6-448A9B7D1D41}"/>
+                  </a:ext>
+                </a:extLst>
+              </p:cNvPr>
+              <p:cNvSpPr txBox="1">
+                <a:spLocks noRot="1" noChangeAspect="1" noMove="1" noResize="1" noEditPoints="1" noAdjustHandles="1" noChangeArrowheads="1" noChangeShapeType="1" noTextEdit="1"/>
+              </p:cNvSpPr>
+              <p:nvPr/>
+            </p:nvSpPr>
+            <p:spPr>
+              <a:xfrm>
+                <a:off x="879387" y="4329545"/>
+                <a:ext cx="1702373" cy="1538883"/>
+              </a:xfrm>
+              <a:prstGeom prst="rect">
+                <a:avLst/>
+              </a:prstGeom>
+              <a:blipFill>
+                <a:blip r:embed="rId7"/>
+                <a:stretch>
+                  <a:fillRect r="-714" b="-1976"/>
+                </a:stretch>
+              </a:blipFill>
+            </p:spPr>
+            <p:txBody>
+              <a:bodyPr/>
+              <a:lstStyle/>
+              <a:p>
+                <a:r>
+                  <a:rPr lang="en-US">
+                    <a:noFill/>
+                  </a:rPr>
+                  <a:t> </a:t>
+                </a:r>
+              </a:p>
+            </p:txBody>
+          </p:sp>
+        </mc:Fallback>
+      </mc:AlternateContent>
+      <mc:AlternateContent xmlns:mc="http://schemas.openxmlformats.org/markup-compatibility/2006">
+        <mc:Choice xmlns:a14="http://schemas.microsoft.com/office/drawing/2010/main" Requires="a14">
+          <p:sp>
+            <p:nvSpPr>
+              <p:cNvPr id="18" name="Rectangle 17">
+                <a:extLst>
+                  <a:ext uri="{FF2B5EF4-FFF2-40B4-BE49-F238E27FC236}">
+                    <a16:creationId xmlns:a16="http://schemas.microsoft.com/office/drawing/2014/main" id="{9AC0A6CC-6376-B0F7-C367-66E0CD02877C}"/>
+                  </a:ext>
+                </a:extLst>
+              </p:cNvPr>
+              <p:cNvSpPr/>
+              <p:nvPr/>
+            </p:nvSpPr>
+            <p:spPr>
+              <a:xfrm>
+                <a:off x="5867400" y="607328"/>
+                <a:ext cx="2514600" cy="674031"/>
+              </a:xfrm>
+              <a:prstGeom prst="rect">
+                <a:avLst/>
+              </a:prstGeom>
+            </p:spPr>
+            <p:style>
+              <a:lnRef idx="2">
+                <a:schemeClr val="accent6">
+                  <a:shade val="15000"/>
+                </a:schemeClr>
+              </a:lnRef>
+              <a:fillRef idx="1">
+                <a:schemeClr val="accent6"/>
+              </a:fillRef>
+              <a:effectRef idx="0">
+                <a:schemeClr val="accent6"/>
+              </a:effectRef>
+              <a:fontRef idx="minor">
+                <a:schemeClr val="lt1"/>
+              </a:fontRef>
+            </p:style>
+            <p:txBody>
+              <a:bodyPr wrap="square">
+                <a:spAutoFit/>
+              </a:bodyPr>
+              <a:lstStyle/>
+              <a:p>
+                <a:pPr>
+                  <a:lnSpc>
+                    <a:spcPct val="90000"/>
+                  </a:lnSpc>
+                </a:pPr>
+                <a14:m>
+                  <m:oMath xmlns:m="http://schemas.openxmlformats.org/officeDocument/2006/math">
+                    <m:r>
+                      <a:rPr lang="en-US" sz="1400" i="1" dirty="0" smtClean="0">
+                        <a:latin typeface="Cambria Math" panose="02040503050406030204" pitchFamily="18" charset="0"/>
+                      </a:rPr>
+                      <m:t>𝑏</m:t>
+                    </m:r>
+                  </m:oMath>
+                </a14:m>
+                <a:r>
+                  <a:rPr lang="en-US" sz="1400" i="1" dirty="0"/>
+                  <a:t>:</a:t>
+                </a:r>
+                <a:r>
+                  <a:rPr lang="en-US" sz="1400" dirty="0"/>
+                  <a:t> maximum branching factor</a:t>
+                </a:r>
+                <a:endParaRPr lang="en-US" sz="1400" i="1" dirty="0"/>
+              </a:p>
+              <a:p>
+                <a:pPr>
+                  <a:lnSpc>
+                    <a:spcPct val="90000"/>
+                  </a:lnSpc>
+                </a:pPr>
+                <a14:m>
+                  <m:oMath xmlns:m="http://schemas.openxmlformats.org/officeDocument/2006/math">
+                    <m:r>
+                      <a:rPr lang="en-US" sz="1400" i="1" dirty="0" smtClean="0">
+                        <a:latin typeface="Cambria Math" panose="02040503050406030204" pitchFamily="18" charset="0"/>
+                      </a:rPr>
+                      <m:t>𝑚</m:t>
+                    </m:r>
+                  </m:oMath>
+                </a14:m>
+                <a:r>
+                  <a:rPr lang="en-US" sz="1400" i="1" dirty="0"/>
+                  <a:t>: </a:t>
+                </a:r>
+                <a:r>
+                  <a:rPr lang="en-US" sz="1400" dirty="0"/>
+                  <a:t>max. depth of tree</a:t>
+                </a:r>
+              </a:p>
+              <a:p>
+                <a:pPr>
+                  <a:lnSpc>
+                    <a:spcPct val="90000"/>
+                  </a:lnSpc>
+                </a:pPr>
+                <a14:m>
+                  <m:oMath xmlns:m="http://schemas.openxmlformats.org/officeDocument/2006/math">
+                    <m:r>
+                      <a:rPr lang="en-US" sz="1400" i="1" dirty="0" smtClean="0">
+                        <a:latin typeface="Cambria Math" panose="02040503050406030204" pitchFamily="18" charset="0"/>
+                      </a:rPr>
+                      <m:t>𝑑</m:t>
+                    </m:r>
+                  </m:oMath>
+                </a14:m>
+                <a:r>
+                  <a:rPr lang="en-US" sz="1400" i="1" dirty="0"/>
+                  <a:t>: </a:t>
+                </a:r>
+                <a:r>
+                  <a:rPr lang="en-US" sz="1400" dirty="0"/>
+                  <a:t>depth of the optimal solution</a:t>
+                </a:r>
+              </a:p>
+            </p:txBody>
+          </p:sp>
+        </mc:Choice>
+        <mc:Fallback>
+          <p:sp>
+            <p:nvSpPr>
+              <p:cNvPr id="18" name="Rectangle 17">
+                <a:extLst>
+                  <a:ext uri="{FF2B5EF4-FFF2-40B4-BE49-F238E27FC236}">
+                    <a16:creationId xmlns:a16="http://schemas.microsoft.com/office/drawing/2014/main" id="{9AC0A6CC-6376-B0F7-C367-66E0CD02877C}"/>
+                  </a:ext>
+                </a:extLst>
+              </p:cNvPr>
+              <p:cNvSpPr>
+                <a:spLocks noRot="1" noChangeAspect="1" noMove="1" noResize="1" noEditPoints="1" noAdjustHandles="1" noChangeArrowheads="1" noChangeShapeType="1" noTextEdit="1"/>
+              </p:cNvSpPr>
+              <p:nvPr/>
+            </p:nvSpPr>
+            <p:spPr>
+              <a:xfrm>
+                <a:off x="5867400" y="607328"/>
+                <a:ext cx="2514600" cy="674031"/>
+              </a:xfrm>
+              <a:prstGeom prst="rect">
+                <a:avLst/>
+              </a:prstGeom>
+              <a:blipFill>
+                <a:blip r:embed="rId8"/>
+                <a:stretch>
+                  <a:fillRect t="-3571" b="-8036"/>
+                </a:stretch>
+              </a:blipFill>
+            </p:spPr>
+            <p:txBody>
+              <a:bodyPr/>
+              <a:lstStyle/>
+              <a:p>
+                <a:r>
+                  <a:rPr lang="en-US">
+                    <a:noFill/>
+                  </a:rPr>
+                  <a:t> </a:t>
+                </a:r>
+              </a:p>
+            </p:txBody>
+          </p:sp>
+        </mc:Fallback>
+      </mc:AlternateContent>
+      <mc:AlternateContent xmlns:mc="http://schemas.openxmlformats.org/markup-compatibility/2006">
+        <mc:Choice xmlns:a14="http://schemas.microsoft.com/office/drawing/2010/main" Requires="a14">
+          <p:sp>
+            <p:nvSpPr>
+              <p:cNvPr id="19" name="TextBox 18">
+                <a:extLst>
+                  <a:ext uri="{FF2B5EF4-FFF2-40B4-BE49-F238E27FC236}">
+                    <a16:creationId xmlns:a16="http://schemas.microsoft.com/office/drawing/2014/main" id="{8631E8F9-1073-FF1A-EDB4-BCE6243CB0B3}"/>
+                  </a:ext>
+                </a:extLst>
+              </p:cNvPr>
+              <p:cNvSpPr txBox="1"/>
+              <p:nvPr/>
+            </p:nvSpPr>
+            <p:spPr>
+              <a:xfrm>
+                <a:off x="2779407" y="4329544"/>
+                <a:ext cx="1702373" cy="1577611"/>
+              </a:xfrm>
+              <a:prstGeom prst="rect">
+                <a:avLst/>
+              </a:prstGeom>
+              <a:noFill/>
+            </p:spPr>
+            <p:txBody>
+              <a:bodyPr wrap="square" rtlCol="0">
+                <a:spAutoFit/>
+              </a:bodyPr>
+              <a:lstStyle/>
+              <a:p>
+                <a:pPr indent="-457200">
+                  <a:spcBef>
+                    <a:spcPts val="600"/>
+                  </a:spcBef>
+                </a:pPr>
+                <a14:m>
+                  <m:oMath xmlns:m="http://schemas.openxmlformats.org/officeDocument/2006/math">
+                    <m:r>
+                      <a:rPr lang="en-US" sz="1200" b="0" i="1" smtClean="0">
+                        <a:latin typeface="Cambria Math" panose="02040503050406030204" pitchFamily="18" charset="0"/>
+                      </a:rPr>
+                      <m:t>𝑏</m:t>
+                    </m:r>
+                    <m:r>
+                      <a:rPr lang="en-US" sz="1200" b="0" i="1" smtClean="0">
+                        <a:latin typeface="Cambria Math" panose="02040503050406030204" pitchFamily="18" charset="0"/>
+                      </a:rPr>
+                      <m:t> =</m:t>
+                    </m:r>
+                  </m:oMath>
+                </a14:m>
+                <a:r>
+                  <a:rPr lang="en-US" sz="1200" b="0" i="1" dirty="0">
+                    <a:latin typeface="Cambria Math" panose="02040503050406030204" pitchFamily="18" charset="0"/>
+                  </a:rPr>
+                  <a:t> </a:t>
+                </a:r>
+                <a:r>
+                  <a:rPr lang="en-US" sz="1200" dirty="0"/>
+                  <a:t>? What are the actions? Moving one Queen: </a:t>
+                </a:r>
+                <a14:m>
+                  <m:oMath xmlns:m="http://schemas.openxmlformats.org/officeDocument/2006/math">
+                    <m:r>
+                      <a:rPr lang="en-US" sz="1100" i="1" dirty="0" smtClean="0">
+                        <a:latin typeface="Cambria Math" panose="02040503050406030204" pitchFamily="18" charset="0"/>
+                      </a:rPr>
+                      <m:t>64−7=57</m:t>
+                    </m:r>
+                  </m:oMath>
+                </a14:m>
+                <a:endParaRPr lang="en-US" sz="1200" b="0" i="1" dirty="0">
+                  <a:latin typeface="Cambria Math" panose="02040503050406030204" pitchFamily="18" charset="0"/>
+                </a:endParaRPr>
+              </a:p>
+              <a:p>
+                <a:pPr indent="-457200">
+                  <a:spcBef>
+                    <a:spcPts val="600"/>
+                  </a:spcBef>
+                </a:pPr>
+                <a14:m>
+                  <m:oMath xmlns:m="http://schemas.openxmlformats.org/officeDocument/2006/math">
+                    <m:r>
+                      <a:rPr lang="en-US" sz="1200" b="0" i="1" smtClean="0">
+                        <a:latin typeface="Cambria Math" panose="02040503050406030204" pitchFamily="18" charset="0"/>
+                      </a:rPr>
+                      <m:t>𝑚</m:t>
+                    </m:r>
+                    <m:r>
+                      <a:rPr lang="en-US" sz="1200" b="0" i="1" smtClean="0">
+                        <a:latin typeface="Cambria Math" panose="02040503050406030204" pitchFamily="18" charset="0"/>
+                      </a:rPr>
+                      <m:t>=</m:t>
+                    </m:r>
+                  </m:oMath>
+                </a14:m>
+                <a:r>
+                  <a:rPr lang="en-US" sz="1200" b="0" dirty="0"/>
+                  <a:t> We may have to try all: </a:t>
+                </a:r>
+                <a14:m>
+                  <m:oMath xmlns:m="http://schemas.openxmlformats.org/officeDocument/2006/math">
+                    <m:d>
+                      <m:dPr>
+                        <m:ctrlPr>
+                          <a:rPr lang="en-US" sz="1200" i="1">
+                            <a:latin typeface="Cambria Math" panose="02040503050406030204" pitchFamily="18" charset="0"/>
+                          </a:rPr>
+                        </m:ctrlPr>
+                      </m:dPr>
+                      <m:e>
+                        <m:f>
+                          <m:fPr>
+                            <m:type m:val="noBar"/>
+                            <m:ctrlPr>
+                              <a:rPr lang="en-US" sz="1200" i="1">
+                                <a:latin typeface="Cambria Math" panose="02040503050406030204" pitchFamily="18" charset="0"/>
+                              </a:rPr>
+                            </m:ctrlPr>
+                          </m:fPr>
+                          <m:num>
+                            <m:r>
+                              <a:rPr lang="en-US" sz="1200" i="1">
+                                <a:latin typeface="Cambria Math" panose="02040503050406030204" pitchFamily="18" charset="0"/>
+                              </a:rPr>
+                              <m:t>64</m:t>
+                            </m:r>
+                          </m:num>
+                          <m:den>
+                            <m:r>
+                              <a:rPr lang="en-US" sz="1200" i="1">
+                                <a:latin typeface="Cambria Math" panose="02040503050406030204" pitchFamily="18" charset="0"/>
+                              </a:rPr>
+                              <m:t>8</m:t>
+                            </m:r>
+                          </m:den>
+                        </m:f>
+                      </m:e>
+                    </m:d>
+                    <m:r>
+                      <a:rPr lang="en-US" sz="1200" i="1">
+                        <a:latin typeface="Cambria Math" panose="02040503050406030204" pitchFamily="18" charset="0"/>
+                      </a:rPr>
+                      <m:t>≈4.4×</m:t>
+                    </m:r>
+                    <m:sSup>
+                      <m:sSupPr>
+                        <m:ctrlPr>
+                          <a:rPr lang="en-US" sz="1200" i="1">
+                            <a:latin typeface="Cambria Math" panose="02040503050406030204" pitchFamily="18" charset="0"/>
+                          </a:rPr>
+                        </m:ctrlPr>
+                      </m:sSupPr>
+                      <m:e>
+                        <m:r>
+                          <a:rPr lang="en-US" sz="1200" i="1">
+                            <a:latin typeface="Cambria Math" panose="02040503050406030204" pitchFamily="18" charset="0"/>
+                          </a:rPr>
+                          <m:t>10</m:t>
+                        </m:r>
+                      </m:e>
+                      <m:sup>
+                        <m:r>
+                          <a:rPr lang="en-US" sz="1200" i="1">
+                            <a:latin typeface="Cambria Math" panose="02040503050406030204" pitchFamily="18" charset="0"/>
+                          </a:rPr>
+                          <m:t>9</m:t>
+                        </m:r>
+                      </m:sup>
+                    </m:sSup>
+                  </m:oMath>
+                </a14:m>
+                <a:endParaRPr lang="en-US" sz="1200" b="0" i="1" dirty="0">
+                  <a:latin typeface="Cambria Math" panose="02040503050406030204" pitchFamily="18" charset="0"/>
+                </a:endParaRPr>
+              </a:p>
+              <a:p>
+                <a:pPr indent="-457200">
+                  <a:spcBef>
+                    <a:spcPts val="600"/>
+                  </a:spcBef>
+                </a:pPr>
+                <a14:m>
+                  <m:oMath xmlns:m="http://schemas.openxmlformats.org/officeDocument/2006/math">
+                    <m:r>
+                      <a:rPr lang="en-US" sz="1200" b="0" i="1" smtClean="0">
+                        <a:latin typeface="Cambria Math" panose="02040503050406030204" pitchFamily="18" charset="0"/>
+                      </a:rPr>
+                      <m:t>𝑑</m:t>
+                    </m:r>
+                    <m:r>
+                      <a:rPr lang="en-US" sz="1200" b="0" i="1" smtClean="0">
+                        <a:latin typeface="Cambria Math" panose="02040503050406030204" pitchFamily="18" charset="0"/>
+                      </a:rPr>
+                      <m:t> =</m:t>
+                    </m:r>
+                  </m:oMath>
+                </a14:m>
+                <a:r>
+                  <a:rPr lang="en-US" sz="1200" dirty="0"/>
+                  <a:t> move each queen in the right spot = 8</a:t>
+                </a:r>
+              </a:p>
+            </p:txBody>
+          </p:sp>
+        </mc:Choice>
+        <mc:Fallback>
+          <p:sp>
+            <p:nvSpPr>
+              <p:cNvPr id="19" name="TextBox 18">
+                <a:extLst>
+                  <a:ext uri="{FF2B5EF4-FFF2-40B4-BE49-F238E27FC236}">
+                    <a16:creationId xmlns:a16="http://schemas.microsoft.com/office/drawing/2014/main" id="{8631E8F9-1073-FF1A-EDB4-BCE6243CB0B3}"/>
+                  </a:ext>
+                </a:extLst>
+              </p:cNvPr>
+              <p:cNvSpPr txBox="1">
+                <a:spLocks noRot="1" noChangeAspect="1" noMove="1" noResize="1" noEditPoints="1" noAdjustHandles="1" noChangeArrowheads="1" noChangeShapeType="1" noTextEdit="1"/>
+              </p:cNvSpPr>
+              <p:nvPr/>
+            </p:nvSpPr>
+            <p:spPr>
+              <a:xfrm>
+                <a:off x="2779407" y="4329544"/>
+                <a:ext cx="1702373" cy="1577611"/>
+              </a:xfrm>
+              <a:prstGeom prst="rect">
+                <a:avLst/>
+              </a:prstGeom>
+              <a:blipFill>
+                <a:blip r:embed="rId9"/>
+                <a:stretch>
+                  <a:fillRect l="-358" b="-2317"/>
+                </a:stretch>
+              </a:blipFill>
+            </p:spPr>
+            <p:txBody>
+              <a:bodyPr/>
+              <a:lstStyle/>
+              <a:p>
+                <a:r>
+                  <a:rPr lang="en-US">
+                    <a:noFill/>
+                  </a:rPr>
+                  <a:t> </a:t>
+                </a:r>
+              </a:p>
+            </p:txBody>
+          </p:sp>
+        </mc:Fallback>
+      </mc:AlternateContent>
+      <mc:AlternateContent xmlns:mc="http://schemas.openxmlformats.org/markup-compatibility/2006">
+        <mc:Choice xmlns:a14="http://schemas.microsoft.com/office/drawing/2010/main" Requires="a14">
+          <p:sp>
+            <p:nvSpPr>
+              <p:cNvPr id="20" name="TextBox 19">
+                <a:extLst>
+                  <a:ext uri="{FF2B5EF4-FFF2-40B4-BE49-F238E27FC236}">
+                    <a16:creationId xmlns:a16="http://schemas.microsoft.com/office/drawing/2014/main" id="{96E0F7A5-7640-A82C-C1F5-61327201BE17}"/>
+                  </a:ext>
+                </a:extLst>
+              </p:cNvPr>
+              <p:cNvSpPr txBox="1"/>
+              <p:nvPr/>
+            </p:nvSpPr>
+            <p:spPr>
+              <a:xfrm>
+                <a:off x="4589862" y="4304606"/>
+                <a:ext cx="1702373" cy="984885"/>
+              </a:xfrm>
+              <a:prstGeom prst="rect">
+                <a:avLst/>
+              </a:prstGeom>
+              <a:noFill/>
+            </p:spPr>
+            <p:txBody>
+              <a:bodyPr wrap="square" rtlCol="0">
+                <a:spAutoFit/>
+              </a:bodyPr>
+              <a:lstStyle/>
+              <a:p>
+                <a:pPr indent="-457200">
+                  <a:spcBef>
+                    <a:spcPts val="600"/>
+                  </a:spcBef>
+                </a:pPr>
+                <a14:m>
+                  <m:oMath xmlns:m="http://schemas.openxmlformats.org/officeDocument/2006/math">
+                    <m:r>
+                      <a:rPr lang="en-US" sz="1200" b="0" i="1" smtClean="0">
+                        <a:latin typeface="Cambria Math" panose="02040503050406030204" pitchFamily="18" charset="0"/>
+                      </a:rPr>
+                      <m:t>𝑏</m:t>
+                    </m:r>
+                    <m:r>
+                      <a:rPr lang="en-US" sz="1200" b="0" i="1" smtClean="0">
+                        <a:latin typeface="Cambria Math" panose="02040503050406030204" pitchFamily="18" charset="0"/>
+                      </a:rPr>
+                      <m:t> =4</m:t>
+                    </m:r>
+                  </m:oMath>
+                </a14:m>
+                <a:r>
+                  <a:rPr lang="en-US" sz="1200" b="0" dirty="0"/>
+                  <a:t> actions to move the empty tile.</a:t>
+                </a:r>
+                <a:endParaRPr lang="en-US" sz="1200" b="0" i="1" dirty="0">
+                  <a:latin typeface="Cambria Math" panose="02040503050406030204" pitchFamily="18" charset="0"/>
+                </a:endParaRPr>
+              </a:p>
+              <a:p>
+                <a:pPr indent="-457200">
+                  <a:spcBef>
+                    <a:spcPts val="600"/>
+                  </a:spcBef>
+                </a:pPr>
+                <a14:m>
+                  <m:oMath xmlns:m="http://schemas.openxmlformats.org/officeDocument/2006/math">
+                    <m:r>
+                      <a:rPr lang="en-US" sz="1200" b="0" i="1" smtClean="0">
+                        <a:latin typeface="Cambria Math" panose="02040503050406030204" pitchFamily="18" charset="0"/>
+                      </a:rPr>
+                      <m:t>𝑚</m:t>
+                    </m:r>
+                    <m:r>
+                      <a:rPr lang="en-US" sz="1200" b="0" i="1" smtClean="0">
+                        <a:latin typeface="Cambria Math" panose="02040503050406030204" pitchFamily="18" charset="0"/>
+                      </a:rPr>
+                      <m:t>=</m:t>
+                    </m:r>
+                  </m:oMath>
+                </a14:m>
+                <a:r>
+                  <a:rPr lang="en-US" sz="1200" b="0" dirty="0"/>
+                  <a:t> Try all </a:t>
+                </a:r>
+                <a14:m>
+                  <m:oMath xmlns:m="http://schemas.openxmlformats.org/officeDocument/2006/math">
+                    <m:r>
+                      <a:rPr lang="en-US" sz="1200" b="0" i="1" dirty="0" smtClean="0">
+                        <a:latin typeface="Cambria Math" panose="02040503050406030204" pitchFamily="18" charset="0"/>
+                      </a:rPr>
+                      <m:t>𝑂</m:t>
+                    </m:r>
+                    <m:r>
+                      <a:rPr lang="en-US" sz="1200" b="0" i="1" dirty="0" smtClean="0">
+                        <a:latin typeface="Cambria Math" panose="02040503050406030204" pitchFamily="18" charset="0"/>
+                      </a:rPr>
+                      <m:t>(9!) </m:t>
+                    </m:r>
+                  </m:oMath>
+                </a14:m>
+                <a:endParaRPr lang="en-US" sz="1200" b="0" dirty="0"/>
+              </a:p>
+              <a:p>
+                <a:pPr indent="-457200">
+                  <a:spcBef>
+                    <a:spcPts val="600"/>
+                  </a:spcBef>
+                </a:pPr>
+                <a14:m>
+                  <m:oMath xmlns:m="http://schemas.openxmlformats.org/officeDocument/2006/math">
+                    <m:r>
+                      <a:rPr lang="en-US" sz="1200" b="0" i="1" smtClean="0">
+                        <a:latin typeface="Cambria Math" panose="02040503050406030204" pitchFamily="18" charset="0"/>
+                      </a:rPr>
+                      <m:t>𝑑</m:t>
+                    </m:r>
+                    <m:r>
+                      <a:rPr lang="en-US" sz="1200" b="0" i="1" smtClean="0">
+                        <a:latin typeface="Cambria Math" panose="02040503050406030204" pitchFamily="18" charset="0"/>
+                      </a:rPr>
+                      <m:t> =</m:t>
+                    </m:r>
+                  </m:oMath>
+                </a14:m>
+                <a:r>
+                  <a:rPr lang="en-US" sz="1200" dirty="0"/>
+                  <a:t> ???</a:t>
+                </a:r>
+              </a:p>
+            </p:txBody>
+          </p:sp>
+        </mc:Choice>
+        <mc:Fallback>
+          <p:sp>
+            <p:nvSpPr>
+              <p:cNvPr id="20" name="TextBox 19">
+                <a:extLst>
+                  <a:ext uri="{FF2B5EF4-FFF2-40B4-BE49-F238E27FC236}">
+                    <a16:creationId xmlns:a16="http://schemas.microsoft.com/office/drawing/2014/main" id="{96E0F7A5-7640-A82C-C1F5-61327201BE17}"/>
+                  </a:ext>
+                </a:extLst>
+              </p:cNvPr>
+              <p:cNvSpPr txBox="1">
+                <a:spLocks noRot="1" noChangeAspect="1" noMove="1" noResize="1" noEditPoints="1" noAdjustHandles="1" noChangeArrowheads="1" noChangeShapeType="1" noTextEdit="1"/>
+              </p:cNvSpPr>
+              <p:nvPr/>
+            </p:nvSpPr>
+            <p:spPr>
+              <a:xfrm>
+                <a:off x="4589862" y="4304606"/>
+                <a:ext cx="1702373" cy="984885"/>
+              </a:xfrm>
+              <a:prstGeom prst="rect">
+                <a:avLst/>
+              </a:prstGeom>
+              <a:blipFill>
+                <a:blip r:embed="rId10"/>
+                <a:stretch>
+                  <a:fillRect l="-358" b="-3704"/>
+                </a:stretch>
+              </a:blipFill>
+            </p:spPr>
+            <p:txBody>
+              <a:bodyPr/>
+              <a:lstStyle/>
+              <a:p>
+                <a:r>
+                  <a:rPr lang="en-US">
+                    <a:noFill/>
+                  </a:rPr>
+                  <a:t> </a:t>
+                </a:r>
+              </a:p>
+            </p:txBody>
+          </p:sp>
+        </mc:Fallback>
+      </mc:AlternateContent>
+      <mc:AlternateContent xmlns:mc="http://schemas.openxmlformats.org/markup-compatibility/2006">
+        <mc:Choice xmlns:a14="http://schemas.microsoft.com/office/drawing/2010/main" Requires="a14">
+          <p:sp>
+            <p:nvSpPr>
+              <p:cNvPr id="21" name="TextBox 20">
+                <a:extLst>
+                  <a:ext uri="{FF2B5EF4-FFF2-40B4-BE49-F238E27FC236}">
+                    <a16:creationId xmlns:a16="http://schemas.microsoft.com/office/drawing/2014/main" id="{F376000C-EFEB-4AAB-EC0B-1DEC37DB63B2}"/>
+                  </a:ext>
+                </a:extLst>
+              </p:cNvPr>
+              <p:cNvSpPr txBox="1"/>
+              <p:nvPr/>
+            </p:nvSpPr>
+            <p:spPr>
+              <a:xfrm>
+                <a:off x="6514017" y="4311533"/>
+                <a:ext cx="1702373" cy="1092607"/>
+              </a:xfrm>
+              <a:prstGeom prst="rect">
+                <a:avLst/>
+              </a:prstGeom>
+              <a:noFill/>
+            </p:spPr>
+            <p:txBody>
+              <a:bodyPr wrap="square" rtlCol="0">
+                <a:spAutoFit/>
+              </a:bodyPr>
+              <a:lstStyle/>
+              <a:p>
+                <a:pPr indent="-457200">
+                  <a:spcBef>
+                    <a:spcPts val="600"/>
+                  </a:spcBef>
+                </a:pPr>
+                <a14:m>
+                  <m:oMath xmlns:m="http://schemas.openxmlformats.org/officeDocument/2006/math">
+                    <m:r>
+                      <a:rPr lang="en-US" sz="1200" b="0" i="1" smtClean="0">
+                        <a:latin typeface="Cambria Math" panose="02040503050406030204" pitchFamily="18" charset="0"/>
+                      </a:rPr>
+                      <m:t>𝑏</m:t>
+                    </m:r>
+                    <m:r>
+                      <a:rPr lang="en-US" sz="1200" b="0" i="1" smtClean="0">
+                        <a:latin typeface="Cambria Math" panose="02040503050406030204" pitchFamily="18" charset="0"/>
+                      </a:rPr>
+                      <m:t> =9</m:t>
+                    </m:r>
+                  </m:oMath>
+                </a14:m>
+                <a:r>
+                  <a:rPr lang="en-US" sz="1200" b="0" dirty="0"/>
+                  <a:t> actions for the first move.</a:t>
+                </a:r>
+                <a:endParaRPr lang="en-US" sz="1200" b="0" i="1" dirty="0">
+                  <a:latin typeface="Cambria Math" panose="02040503050406030204" pitchFamily="18" charset="0"/>
+                </a:endParaRPr>
+              </a:p>
+              <a:p>
+                <a:pPr indent="-457200">
+                  <a:spcBef>
+                    <a:spcPts val="600"/>
+                  </a:spcBef>
+                </a:pPr>
+                <a14:m>
+                  <m:oMathPara xmlns:m="http://schemas.openxmlformats.org/officeDocument/2006/math">
+                    <m:oMathParaPr>
+                      <m:jc m:val="left"/>
+                    </m:oMathParaPr>
+                    <m:oMath xmlns:m="http://schemas.openxmlformats.org/officeDocument/2006/math">
+                      <m:r>
+                        <a:rPr lang="en-US" sz="1200" b="0" i="1" smtClean="0">
+                          <a:latin typeface="Cambria Math" panose="02040503050406030204" pitchFamily="18" charset="0"/>
+                        </a:rPr>
+                        <m:t>𝑚</m:t>
+                      </m:r>
+                      <m:r>
+                        <a:rPr lang="en-US" sz="1200" b="0" i="1" smtClean="0">
+                          <a:latin typeface="Cambria Math" panose="02040503050406030204" pitchFamily="18" charset="0"/>
+                        </a:rPr>
+                        <m:t>=9</m:t>
+                      </m:r>
+                    </m:oMath>
+                  </m:oMathPara>
+                </a14:m>
+                <a:endParaRPr lang="en-US" sz="1200" b="0" dirty="0"/>
+              </a:p>
+              <a:p>
+                <a:pPr indent="-457200">
+                  <a:spcBef>
+                    <a:spcPts val="600"/>
+                  </a:spcBef>
+                </a:pPr>
+                <a14:m>
+                  <m:oMath xmlns:m="http://schemas.openxmlformats.org/officeDocument/2006/math">
+                    <m:r>
+                      <a:rPr lang="en-US" sz="1200" b="0" i="1" smtClean="0">
+                        <a:latin typeface="Cambria Math" panose="02040503050406030204" pitchFamily="18" charset="0"/>
+                      </a:rPr>
+                      <m:t>𝑑</m:t>
+                    </m:r>
+                    <m:r>
+                      <a:rPr lang="en-US" sz="1200" b="0" i="1" smtClean="0">
+                        <a:latin typeface="Cambria Math" panose="02040503050406030204" pitchFamily="18" charset="0"/>
+                      </a:rPr>
+                      <m:t> =9</m:t>
+                    </m:r>
+                  </m:oMath>
+                </a14:m>
+                <a:r>
+                  <a:rPr lang="en-US" sz="1200" dirty="0"/>
+                  <a:t> (if both play optimal)</a:t>
+                </a:r>
+              </a:p>
+            </p:txBody>
+          </p:sp>
+        </mc:Choice>
+        <mc:Fallback>
+          <p:sp>
+            <p:nvSpPr>
+              <p:cNvPr id="21" name="TextBox 20">
+                <a:extLst>
+                  <a:ext uri="{FF2B5EF4-FFF2-40B4-BE49-F238E27FC236}">
+                    <a16:creationId xmlns:a16="http://schemas.microsoft.com/office/drawing/2014/main" id="{F376000C-EFEB-4AAB-EC0B-1DEC37DB63B2}"/>
+                  </a:ext>
+                </a:extLst>
+              </p:cNvPr>
+              <p:cNvSpPr txBox="1">
+                <a:spLocks noRot="1" noChangeAspect="1" noMove="1" noResize="1" noEditPoints="1" noAdjustHandles="1" noChangeArrowheads="1" noChangeShapeType="1" noTextEdit="1"/>
+              </p:cNvSpPr>
+              <p:nvPr/>
+            </p:nvSpPr>
+            <p:spPr>
+              <a:xfrm>
+                <a:off x="6514017" y="4311533"/>
+                <a:ext cx="1702373" cy="1092607"/>
+              </a:xfrm>
+              <a:prstGeom prst="rect">
+                <a:avLst/>
+              </a:prstGeom>
+              <a:blipFill>
+                <a:blip r:embed="rId11"/>
+                <a:stretch>
+                  <a:fillRect l="-358" b="-3333"/>
+                </a:stretch>
+              </a:blipFill>
+            </p:spPr>
+            <p:txBody>
+              <a:bodyPr/>
+              <a:lstStyle/>
+              <a:p>
+                <a:r>
+                  <a:rPr lang="en-US">
+                    <a:noFill/>
+                  </a:rPr>
+                  <a:t> </a:t>
+                </a:r>
+              </a:p>
+            </p:txBody>
+          </p:sp>
+        </mc:Fallback>
+      </mc:AlternateContent>
+    </p:spTree>
+    <p:extLst>
+      <p:ext uri="{BB962C8B-B14F-4D97-AF65-F5344CB8AC3E}">
+        <p14:creationId xmlns:p14="http://schemas.microsoft.com/office/powerpoint/2010/main" val="23345734"/>
+      </p:ext>
+    </p:extLst>
+  </p:cSld>
+  <p:clrMapOvr>
+    <a:masterClrMapping/>
+  </p:clrMapOvr>
+  <p:timing>
+    <p:tnLst>
+      <p:par>
+        <p:cTn id="1" dur="indefinite" restart="never" nodeType="tmRoot">
+          <p:childTnLst>
+            <p:seq concurrent="1" nextAc="seek">
+              <p:cTn id="2" dur="indefinite" nodeType="mainSeq">
+                <p:childTnLst>
+                  <p:par>
+                    <p:cTn id="3" fill="hold">
+                      <p:stCondLst>
+                        <p:cond delay="indefinite"/>
+                      </p:stCondLst>
+                      <p:childTnLst>
+                        <p:par>
+                          <p:cTn id="4" fill="hold">
+                            <p:stCondLst>
+                              <p:cond delay="0"/>
+                            </p:stCondLst>
+                            <p:childTnLst>
+                              <p:par>
+                                <p:cTn id="5" presetID="1" presetClass="entr" presetSubtype="0" fill="hold" grpId="0" nodeType="clickEffect">
+                                  <p:stCondLst>
+                                    <p:cond delay="0"/>
+                                  </p:stCondLst>
+                                  <p:childTnLst>
+                                    <p:set>
+                                      <p:cBhvr>
+                                        <p:cTn id="6" dur="1" fill="hold">
+                                          <p:stCondLst>
+                                            <p:cond delay="0"/>
+                                          </p:stCondLst>
+                                        </p:cTn>
+                                        <p:tgtEl>
+                                          <p:spTgt spid="14"/>
+                                        </p:tgtEl>
+                                        <p:attrNameLst>
+                                          <p:attrName>style.visibility</p:attrName>
+                                        </p:attrNameLst>
+                                      </p:cBhvr>
+                                      <p:to>
+                                        <p:strVal val="visible"/>
+                                      </p:to>
+                                    </p:set>
+                                  </p:childTnLst>
+                                </p:cTn>
+                              </p:par>
+                            </p:childTnLst>
+                          </p:cTn>
+                        </p:par>
+                      </p:childTnLst>
+                    </p:cTn>
+                  </p:par>
+                  <p:par>
+                    <p:cTn id="7" fill="hold">
+                      <p:stCondLst>
+                        <p:cond delay="indefinite"/>
+                      </p:stCondLst>
+                      <p:childTnLst>
+                        <p:par>
+                          <p:cTn id="8" fill="hold">
+                            <p:stCondLst>
+                              <p:cond delay="0"/>
+                            </p:stCondLst>
+                            <p:childTnLst>
+                              <p:par>
+                                <p:cTn id="9" presetID="1" presetClass="entr" presetSubtype="0" fill="hold" grpId="0" nodeType="clickEffect">
+                                  <p:stCondLst>
+                                    <p:cond delay="0"/>
+                                  </p:stCondLst>
+                                  <p:childTnLst>
+                                    <p:set>
+                                      <p:cBhvr>
+                                        <p:cTn id="10" dur="1" fill="hold">
+                                          <p:stCondLst>
+                                            <p:cond delay="0"/>
+                                          </p:stCondLst>
+                                        </p:cTn>
+                                        <p:tgtEl>
+                                          <p:spTgt spid="19"/>
+                                        </p:tgtEl>
+                                        <p:attrNameLst>
+                                          <p:attrName>style.visibility</p:attrName>
+                                        </p:attrNameLst>
+                                      </p:cBhvr>
+                                      <p:to>
+                                        <p:strVal val="visible"/>
+                                      </p:to>
+                                    </p:set>
+                                  </p:childTnLst>
+                                </p:cTn>
+                              </p:par>
+                            </p:childTnLst>
+                          </p:cTn>
+                        </p:par>
+                      </p:childTnLst>
+                    </p:cTn>
+                  </p:par>
+                  <p:par>
+                    <p:cTn id="11" fill="hold">
+                      <p:stCondLst>
+                        <p:cond delay="indefinite"/>
+                      </p:stCondLst>
+                      <p:childTnLst>
+                        <p:par>
+                          <p:cTn id="12" fill="hold">
+                            <p:stCondLst>
+                              <p:cond delay="0"/>
+                            </p:stCondLst>
+                            <p:childTnLst>
+                              <p:par>
+                                <p:cTn id="13" presetID="1" presetClass="entr" presetSubtype="0" fill="hold" grpId="0" nodeType="clickEffect">
+                                  <p:stCondLst>
+                                    <p:cond delay="0"/>
+                                  </p:stCondLst>
+                                  <p:childTnLst>
+                                    <p:set>
+                                      <p:cBhvr>
+                                        <p:cTn id="14" dur="1" fill="hold">
+                                          <p:stCondLst>
+                                            <p:cond delay="0"/>
+                                          </p:stCondLst>
+                                        </p:cTn>
+                                        <p:tgtEl>
+                                          <p:spTgt spid="20"/>
+                                        </p:tgtEl>
+                                        <p:attrNameLst>
+                                          <p:attrName>style.visibility</p:attrName>
+                                        </p:attrNameLst>
+                                      </p:cBhvr>
+                                      <p:to>
+                                        <p:strVal val="visible"/>
+                                      </p:to>
+                                    </p:set>
+                                  </p:childTnLst>
+                                </p:cTn>
+                              </p:par>
+                            </p:childTnLst>
+                          </p:cTn>
+                        </p:par>
+                      </p:childTnLst>
+                    </p:cTn>
+                  </p:par>
+                  <p:par>
+                    <p:cTn id="15" fill="hold">
+                      <p:stCondLst>
+                        <p:cond delay="indefinite"/>
+                      </p:stCondLst>
+                      <p:childTnLst>
+                        <p:par>
+                          <p:cTn id="16" fill="hold">
+                            <p:stCondLst>
+                              <p:cond delay="0"/>
+                            </p:stCondLst>
+                            <p:childTnLst>
+                              <p:par>
+                                <p:cTn id="17" presetID="1" presetClass="entr" presetSubtype="0" fill="hold" grpId="0" nodeType="clickEffect">
+                                  <p:stCondLst>
+                                    <p:cond delay="0"/>
+                                  </p:stCondLst>
+                                  <p:childTnLst>
+                                    <p:set>
+                                      <p:cBhvr>
+                                        <p:cTn id="18" dur="1" fill="hold">
+                                          <p:stCondLst>
+                                            <p:cond delay="0"/>
+                                          </p:stCondLst>
+                                        </p:cTn>
+                                        <p:tgtEl>
+                                          <p:spTgt spid="21"/>
+                                        </p:tgtEl>
+                                        <p:attrNameLst>
+                                          <p:attrName>style.visibility</p:attrName>
+                                        </p:attrNameLst>
+                                      </p:cBhvr>
+                                      <p:to>
+                                        <p:strVal val="visible"/>
+                                      </p:to>
+                                    </p:set>
+                                  </p:childTnLst>
+                                </p:cTn>
+                              </p:par>
+                            </p:childTnLst>
+                          </p:cTn>
+                        </p:par>
+                      </p:childTnLst>
+                    </p:cTn>
+                  </p:par>
+                </p:childTnLst>
+              </p:cTn>
+              <p:prevCondLst>
+                <p:cond evt="onPrev" delay="0">
+                  <p:tgtEl>
+                    <p:sldTgt/>
+                  </p:tgtEl>
+                </p:cond>
+              </p:prevCondLst>
+              <p:nextCondLst>
+                <p:cond evt="onNext" delay="0">
+                  <p:tgtEl>
+                    <p:sldTgt/>
+                  </p:tgtEl>
+                </p:cond>
+              </p:nextCondLst>
+            </p:seq>
+          </p:childTnLst>
+        </p:cTn>
+      </p:par>
+    </p:tnLst>
+    <p:bldLst>
+      <p:bldP spid="14" grpId="0"/>
+      <p:bldP spid="19" grpId="0"/>
+      <p:bldP spid="20" grpId="0"/>
+      <p:bldP spid="21" grpId="0"/>
+    </p:bldLst>
+  </p:timing>
+</p:sld>
+</file>
+
+<file path=ppt/slides/slide12.xml><?xml version="1.0" encoding="utf-8"?>
+<p:sld xmlns:a="http://schemas.openxmlformats.org/drawingml/2006/main" xmlns:r="http://schemas.openxmlformats.org/officeDocument/2006/relationships" xmlns:p="http://schemas.openxmlformats.org/presentationml/2006/main">
+  <p:cSld>
+    <p:spTree>
+      <p:nvGrpSpPr>
+        <p:cNvPr id="1" name=""/>
+        <p:cNvGrpSpPr/>
+        <p:nvPr/>
+      </p:nvGrpSpPr>
+      <p:grpSpPr>
+        <a:xfrm>
+          <a:off x="0" y="0"/>
+          <a:ext cx="0" cy="0"/>
+          <a:chOff x="0" y="0"/>
+          <a:chExt cx="0" cy="0"/>
+        </a:xfrm>
+      </p:grpSpPr>
+      <p:sp>
+        <p:nvSpPr>
+          <p:cNvPr id="2" name="Title 1">
+            <a:extLst>
+              <a:ext uri="{FF2B5EF4-FFF2-40B4-BE49-F238E27FC236}">
+                <a16:creationId xmlns:a16="http://schemas.microsoft.com/office/drawing/2014/main" id="{207265BA-DD7D-7843-DF7A-6F8E9C3F3113}"/>
+              </a:ext>
+            </a:extLst>
+          </p:cNvPr>
+          <p:cNvSpPr>
+            <a:spLocks noGrp="1"/>
+          </p:cNvSpPr>
+          <p:nvPr>
+            <p:ph type="title"/>
+          </p:nvPr>
+        </p:nvSpPr>
+        <p:spPr/>
+        <p:txBody>
+          <a:bodyPr/>
+          <a:lstStyle/>
+          <a:p>
+            <a:r>
+              <a:rPr lang="en-US" dirty="0"/>
+              <a:t>Assignment</a:t>
+            </a:r>
+          </a:p>
+        </p:txBody>
+      </p:sp>
+      <p:sp>
+        <p:nvSpPr>
+          <p:cNvPr id="6" name="Content Placeholder 5">
+            <a:extLst>
+              <a:ext uri="{FF2B5EF4-FFF2-40B4-BE49-F238E27FC236}">
+                <a16:creationId xmlns:a16="http://schemas.microsoft.com/office/drawing/2014/main" id="{06BC5E19-579D-32E3-6A37-AADAD116C2DF}"/>
+              </a:ext>
+            </a:extLst>
+          </p:cNvPr>
+          <p:cNvSpPr>
+            <a:spLocks noGrp="1"/>
+          </p:cNvSpPr>
+          <p:nvPr>
+            <p:ph idx="1"/>
+          </p:nvPr>
+        </p:nvSpPr>
+        <p:spPr/>
+        <p:txBody>
+          <a:bodyPr anchor="ctr">
+            <a:normAutofit/>
+          </a:bodyPr>
+          <a:lstStyle/>
+          <a:p>
+            <a:pPr marL="0" indent="0" algn="ctr">
+              <a:buNone/>
+            </a:pPr>
+            <a:r>
+              <a:rPr lang="en-US" sz="6600" dirty="0"/>
+              <a:t>Q&amp;A</a:t>
+            </a:r>
+          </a:p>
+        </p:txBody>
+      </p:sp>
+    </p:spTree>
+    <p:extLst>
+      <p:ext uri="{BB962C8B-B14F-4D97-AF65-F5344CB8AC3E}">
+        <p14:creationId xmlns:p14="http://schemas.microsoft.com/office/powerpoint/2010/main" val="340506066"/>
+      </p:ext>
+    </p:extLst>
+  </p:cSld>
+  <p:clrMapOvr>
+    <a:masterClrMapping/>
   </p:clrMapOvr>
 </p:sld>
 </file>
@@ -7105,7 +9838,7 @@
           <a:p>
             <a:r>
               <a:rPr lang="en-US" sz="3000" dirty="0"/>
-              <a:t>Examples: What is the state space size?</a:t>
+              <a:t>Example: What is the State Space Size?</a:t>
             </a:r>
           </a:p>
         </p:txBody>
@@ -7171,8 +9904,8 @@
           </a:ln>
         </p:spPr>
       </p:pic>
-      <mc:AlternateContent xmlns:mc="http://schemas.openxmlformats.org/markup-compatibility/2006" xmlns:a14="http://schemas.microsoft.com/office/drawing/2010/main">
-        <mc:Choice Requires="a14">
+      <mc:AlternateContent xmlns:mc="http://schemas.openxmlformats.org/markup-compatibility/2006">
+        <mc:Choice xmlns:a14="http://schemas.microsoft.com/office/drawing/2010/main" Requires="a14">
           <p:sp>
             <p:nvSpPr>
               <p:cNvPr id="10" name="TextBox 9">
@@ -7357,6 +10090,18 @@
                       <a:rPr lang="en-US" sz="1400" b="0" i="1" smtClean="0">
                         <a:latin typeface="Cambria Math" panose="02040503050406030204" pitchFamily="18" charset="0"/>
                       </a:rPr>
+                      <m:t>𝑛</m:t>
+                    </m:r>
+                    <m:r>
+                      <a:rPr lang="en-US" sz="1400" b="0" i="0" smtClean="0">
+                        <a:latin typeface="Cambria Math" panose="02040503050406030204" pitchFamily="18" charset="0"/>
+                      </a:rPr>
+                      <m:t>=</m:t>
+                    </m:r>
+                    <m:r>
+                      <a:rPr lang="en-US" sz="1400" b="0" i="1" smtClean="0">
+                        <a:latin typeface="Cambria Math" panose="02040503050406030204" pitchFamily="18" charset="0"/>
+                      </a:rPr>
                       <m:t>2</m:t>
                     </m:r>
                     <m:sSup>
@@ -7431,7 +10176,7 @@
             </p:txBody>
           </p:sp>
         </mc:Choice>
-        <mc:Fallback xmlns="">
+        <mc:Fallback>
           <p:sp>
             <p:nvSpPr>
               <p:cNvPr id="10" name="TextBox 9">
@@ -7666,18 +10411,235 @@
     </p:spTree>
     <p:extLst>
       <p:ext uri="{BB962C8B-B14F-4D97-AF65-F5344CB8AC3E}">
-        <p14:creationId xmlns:p14="http://schemas.microsoft.com/office/powerpoint/2010/main" val="1222152324"/>
+        <p14:creationId xmlns:p14="http://schemas.microsoft.com/office/powerpoint/2010/main" val="1512568640"/>
       </p:ext>
     </p:extLst>
   </p:cSld>
   <p:clrMapOvr>
     <a:masterClrMapping/>
   </p:clrMapOvr>
+  <p:timing>
+    <p:tnLst>
+      <p:par>
+        <p:cTn id="1" dur="indefinite" restart="never" nodeType="tmRoot">
+          <p:childTnLst>
+            <p:seq concurrent="1" nextAc="seek">
+              <p:cTn id="2" dur="indefinite" nodeType="mainSeq">
+                <p:childTnLst>
+                  <p:par>
+                    <p:cTn id="3" fill="hold">
+                      <p:stCondLst>
+                        <p:cond delay="indefinite"/>
+                      </p:stCondLst>
+                      <p:childTnLst>
+                        <p:par>
+                          <p:cTn id="4" fill="hold">
+                            <p:stCondLst>
+                              <p:cond delay="0"/>
+                            </p:stCondLst>
+                            <p:childTnLst>
+                              <p:par>
+                                <p:cTn id="5" presetID="1" presetClass="entr" presetSubtype="0" fill="hold" nodeType="clickEffect">
+                                  <p:stCondLst>
+                                    <p:cond delay="0"/>
+                                  </p:stCondLst>
+                                  <p:childTnLst>
+                                    <p:set>
+                                      <p:cBhvr>
+                                        <p:cTn id="6" dur="1" fill="hold">
+                                          <p:stCondLst>
+                                            <p:cond delay="0"/>
+                                          </p:stCondLst>
+                                        </p:cTn>
+                                        <p:tgtEl>
+                                          <p:spTgt spid="10">
+                                            <p:txEl>
+                                              <p:pRg st="7" end="7"/>
+                                            </p:txEl>
+                                          </p:spTgt>
+                                        </p:tgtEl>
+                                        <p:attrNameLst>
+                                          <p:attrName>style.visibility</p:attrName>
+                                        </p:attrNameLst>
+                                      </p:cBhvr>
+                                      <p:to>
+                                        <p:strVal val="visible"/>
+                                      </p:to>
+                                    </p:set>
+                                  </p:childTnLst>
+                                </p:cTn>
+                              </p:par>
+                              <p:par>
+                                <p:cTn id="7" presetID="1" presetClass="entr" presetSubtype="0" fill="hold" nodeType="withEffect">
+                                  <p:stCondLst>
+                                    <p:cond delay="0"/>
+                                  </p:stCondLst>
+                                  <p:childTnLst>
+                                    <p:set>
+                                      <p:cBhvr>
+                                        <p:cTn id="8" dur="1" fill="hold">
+                                          <p:stCondLst>
+                                            <p:cond delay="0"/>
+                                          </p:stCondLst>
+                                        </p:cTn>
+                                        <p:tgtEl>
+                                          <p:spTgt spid="10">
+                                            <p:txEl>
+                                              <p:pRg st="8" end="8"/>
+                                            </p:txEl>
+                                          </p:spTgt>
+                                        </p:tgtEl>
+                                        <p:attrNameLst>
+                                          <p:attrName>style.visibility</p:attrName>
+                                        </p:attrNameLst>
+                                      </p:cBhvr>
+                                      <p:to>
+                                        <p:strVal val="visible"/>
+                                      </p:to>
+                                    </p:set>
+                                  </p:childTnLst>
+                                </p:cTn>
+                              </p:par>
+                              <p:par>
+                                <p:cTn id="9" presetID="1" presetClass="entr" presetSubtype="0" fill="hold" nodeType="withEffect">
+                                  <p:stCondLst>
+                                    <p:cond delay="0"/>
+                                  </p:stCondLst>
+                                  <p:childTnLst>
+                                    <p:set>
+                                      <p:cBhvr>
+                                        <p:cTn id="10" dur="1" fill="hold">
+                                          <p:stCondLst>
+                                            <p:cond delay="0"/>
+                                          </p:stCondLst>
+                                        </p:cTn>
+                                        <p:tgtEl>
+                                          <p:spTgt spid="10">
+                                            <p:txEl>
+                                              <p:pRg st="9" end="9"/>
+                                            </p:txEl>
+                                          </p:spTgt>
+                                        </p:tgtEl>
+                                        <p:attrNameLst>
+                                          <p:attrName>style.visibility</p:attrName>
+                                        </p:attrNameLst>
+                                      </p:cBhvr>
+                                      <p:to>
+                                        <p:strVal val="visible"/>
+                                      </p:to>
+                                    </p:set>
+                                  </p:childTnLst>
+                                </p:cTn>
+                              </p:par>
+                            </p:childTnLst>
+                          </p:cTn>
+                        </p:par>
+                      </p:childTnLst>
+                    </p:cTn>
+                  </p:par>
+                  <p:par>
+                    <p:cTn id="11" fill="hold">
+                      <p:stCondLst>
+                        <p:cond delay="indefinite"/>
+                      </p:stCondLst>
+                      <p:childTnLst>
+                        <p:par>
+                          <p:cTn id="12" fill="hold">
+                            <p:stCondLst>
+                              <p:cond delay="0"/>
+                            </p:stCondLst>
+                            <p:childTnLst>
+                              <p:par>
+                                <p:cTn id="13" presetID="1" presetClass="entr" presetSubtype="0" fill="hold" nodeType="clickEffect">
+                                  <p:stCondLst>
+                                    <p:cond delay="0"/>
+                                  </p:stCondLst>
+                                  <p:childTnLst>
+                                    <p:set>
+                                      <p:cBhvr>
+                                        <p:cTn id="14" dur="1" fill="hold">
+                                          <p:stCondLst>
+                                            <p:cond delay="0"/>
+                                          </p:stCondLst>
+                                        </p:cTn>
+                                        <p:tgtEl>
+                                          <p:spTgt spid="10">
+                                            <p:txEl>
+                                              <p:pRg st="11" end="11"/>
+                                            </p:txEl>
+                                          </p:spTgt>
+                                        </p:tgtEl>
+                                        <p:attrNameLst>
+                                          <p:attrName>style.visibility</p:attrName>
+                                        </p:attrNameLst>
+                                      </p:cBhvr>
+                                      <p:to>
+                                        <p:strVal val="visible"/>
+                                      </p:to>
+                                    </p:set>
+                                  </p:childTnLst>
+                                </p:cTn>
+                              </p:par>
+                              <p:par>
+                                <p:cTn id="15" presetID="1" presetClass="entr" presetSubtype="0" fill="hold" nodeType="withEffect">
+                                  <p:stCondLst>
+                                    <p:cond delay="0"/>
+                                  </p:stCondLst>
+                                  <p:childTnLst>
+                                    <p:set>
+                                      <p:cBhvr>
+                                        <p:cTn id="16" dur="1" fill="hold">
+                                          <p:stCondLst>
+                                            <p:cond delay="0"/>
+                                          </p:stCondLst>
+                                        </p:cTn>
+                                        <p:tgtEl>
+                                          <p:spTgt spid="6"/>
+                                        </p:tgtEl>
+                                        <p:attrNameLst>
+                                          <p:attrName>style.visibility</p:attrName>
+                                        </p:attrNameLst>
+                                      </p:cBhvr>
+                                      <p:to>
+                                        <p:strVal val="visible"/>
+                                      </p:to>
+                                    </p:set>
+                                  </p:childTnLst>
+                                </p:cTn>
+                              </p:par>
+                            </p:childTnLst>
+                          </p:cTn>
+                        </p:par>
+                      </p:childTnLst>
+                    </p:cTn>
+                  </p:par>
+                </p:childTnLst>
+              </p:cTn>
+              <p:prevCondLst>
+                <p:cond evt="onPrev" delay="0">
+                  <p:tgtEl>
+                    <p:sldTgt/>
+                  </p:tgtEl>
+                </p:cond>
+              </p:prevCondLst>
+              <p:nextCondLst>
+                <p:cond evt="onNext" delay="0">
+                  <p:tgtEl>
+                    <p:sldTgt/>
+                  </p:tgtEl>
+                </p:cond>
+              </p:nextCondLst>
+            </p:seq>
+          </p:childTnLst>
+        </p:cTn>
+      </p:par>
+    </p:tnLst>
+  </p:timing>
 </p:sld>
 </file>
 
 <file path=ppt/slides/slide7.xml><?xml version="1.0" encoding="utf-8"?>
-<p:sld xmlns:a="http://schemas.openxmlformats.org/drawingml/2006/main" xmlns:r="http://schemas.openxmlformats.org/officeDocument/2006/relationships" xmlns:p="http://schemas.openxmlformats.org/presentationml/2006/main">
+<p:sld xmlns:a="http://schemas.openxmlformats.org/drawingml/2006/main" xmlns:r="http://schemas.openxmlformats.org/officeDocument/2006/relationships" xmlns:p="http://schemas.openxmlformats.org/presentationml/2006/main" show="0">
   <p:cSld>
     <p:spTree>
       <p:nvGrpSpPr>
@@ -7720,7 +10682,7 @@
         </p:blipFill>
         <p:spPr bwMode="auto">
           <a:xfrm>
-            <a:off x="914400" y="2438400"/>
+            <a:off x="914400" y="2133600"/>
             <a:ext cx="1778794" cy="1758554"/>
           </a:xfrm>
           <a:prstGeom prst="rect">
@@ -7751,7 +10713,7 @@
         </p:nvSpPr>
         <p:spPr>
           <a:xfrm>
-            <a:off x="914400" y="4213708"/>
+            <a:off x="914400" y="3908908"/>
             <a:ext cx="1778794" cy="351235"/>
           </a:xfrm>
           <a:prstGeom prst="rect">
@@ -7816,7 +10778,7 @@
         </p:blipFill>
         <p:spPr bwMode="auto">
           <a:xfrm>
-            <a:off x="2743200" y="2438400"/>
+            <a:off x="2743200" y="2133600"/>
             <a:ext cx="1759744" cy="1758554"/>
           </a:xfrm>
           <a:prstGeom prst="rect">
@@ -7847,7 +10809,7 @@
         </p:nvSpPr>
         <p:spPr>
           <a:xfrm>
-            <a:off x="2743200" y="4213708"/>
+            <a:off x="2743200" y="3908908"/>
             <a:ext cx="1759744" cy="351235"/>
           </a:xfrm>
           <a:prstGeom prst="rect">
@@ -7911,7 +10873,7 @@
         </p:blipFill>
         <p:spPr bwMode="auto">
           <a:xfrm>
-            <a:off x="4554139" y="2438400"/>
+            <a:off x="4554139" y="2133600"/>
             <a:ext cx="1872854" cy="1758554"/>
           </a:xfrm>
           <a:prstGeom prst="rect">
@@ -7942,7 +10904,7 @@
         </p:nvSpPr>
         <p:spPr>
           <a:xfrm>
-            <a:off x="4554139" y="4213708"/>
+            <a:off x="4554139" y="3908908"/>
             <a:ext cx="1872854" cy="351235"/>
           </a:xfrm>
           <a:prstGeom prst="rect">
@@ -8017,7 +10979,7 @@
         </p:blipFill>
         <p:spPr bwMode="auto">
           <a:xfrm>
-            <a:off x="6479381" y="2438400"/>
+            <a:off x="6479381" y="2133600"/>
             <a:ext cx="1983581" cy="1758554"/>
           </a:xfrm>
           <a:prstGeom prst="rect">
@@ -8048,7 +11010,7 @@
         </p:nvSpPr>
         <p:spPr>
           <a:xfrm>
-            <a:off x="6479381" y="4213708"/>
+            <a:off x="6479381" y="3908908"/>
             <a:ext cx="1983581" cy="351235"/>
           </a:xfrm>
           <a:prstGeom prst="rect">
@@ -8110,7 +11072,7 @@
           <a:p>
             <a:r>
               <a:rPr lang="en-US" sz="3000" dirty="0"/>
-              <a:t>Examples: What is the state space size?</a:t>
+              <a:t>Examples: What is the State Space Size?</a:t>
             </a:r>
           </a:p>
         </p:txBody>
@@ -8164,7 +11126,7 @@
 </file>
 
 <file path=ppt/slides/slide8.xml><?xml version="1.0" encoding="utf-8"?>
-<p:sld xmlns:a="http://schemas.openxmlformats.org/drawingml/2006/main" xmlns:r="http://schemas.openxmlformats.org/officeDocument/2006/relationships" xmlns:p="http://schemas.openxmlformats.org/presentationml/2006/main">
+<p:sld xmlns:a="http://schemas.openxmlformats.org/drawingml/2006/main" xmlns:r="http://schemas.openxmlformats.org/officeDocument/2006/relationships" xmlns:p="http://schemas.openxmlformats.org/presentationml/2006/main" show="0">
   <p:cSld>
     <p:spTree>
       <p:nvGrpSpPr>
@@ -8213,7 +11175,7 @@
         </p:blipFill>
         <p:spPr bwMode="auto">
           <a:xfrm>
-            <a:off x="914400" y="2438400"/>
+            <a:off x="914400" y="2133600"/>
             <a:ext cx="1778794" cy="1758554"/>
           </a:xfrm>
           <a:prstGeom prst="rect">
@@ -8244,7 +11206,7 @@
         </p:nvSpPr>
         <p:spPr>
           <a:xfrm>
-            <a:off x="914400" y="4213708"/>
+            <a:off x="914400" y="3908908"/>
             <a:ext cx="1778794" cy="351235"/>
           </a:xfrm>
           <a:prstGeom prst="rect">
@@ -8309,7 +11271,7 @@
         </p:blipFill>
         <p:spPr bwMode="auto">
           <a:xfrm>
-            <a:off x="2743200" y="2438400"/>
+            <a:off x="2743200" y="2133600"/>
             <a:ext cx="1759744" cy="1758554"/>
           </a:xfrm>
           <a:prstGeom prst="rect">
@@ -8340,7 +11302,7 @@
         </p:nvSpPr>
         <p:spPr>
           <a:xfrm>
-            <a:off x="2743200" y="4213708"/>
+            <a:off x="2743200" y="3908908"/>
             <a:ext cx="1759744" cy="351235"/>
           </a:xfrm>
           <a:prstGeom prst="rect">
@@ -8404,7 +11366,7 @@
         </p:blipFill>
         <p:spPr bwMode="auto">
           <a:xfrm>
-            <a:off x="4554139" y="2438400"/>
+            <a:off x="4554139" y="2133600"/>
             <a:ext cx="1872854" cy="1758554"/>
           </a:xfrm>
           <a:prstGeom prst="rect">
@@ -8435,7 +11397,7 @@
         </p:nvSpPr>
         <p:spPr>
           <a:xfrm>
-            <a:off x="4554139" y="4213708"/>
+            <a:off x="4554139" y="3908908"/>
             <a:ext cx="1872854" cy="351235"/>
           </a:xfrm>
           <a:prstGeom prst="rect">
@@ -8510,7 +11472,7 @@
         </p:blipFill>
         <p:spPr bwMode="auto">
           <a:xfrm>
-            <a:off x="6479381" y="2438400"/>
+            <a:off x="6479381" y="2133600"/>
             <a:ext cx="1983581" cy="1758554"/>
           </a:xfrm>
           <a:prstGeom prst="rect">
@@ -8541,7 +11503,7 @@
         </p:nvSpPr>
         <p:spPr>
           <a:xfrm>
-            <a:off x="6479381" y="4213708"/>
+            <a:off x="6479381" y="3908908"/>
             <a:ext cx="1983581" cy="351235"/>
           </a:xfrm>
           <a:prstGeom prst="rect">
@@ -8603,7 +11565,7 @@
           <a:p>
             <a:r>
               <a:rPr lang="en-US" sz="3000" dirty="0"/>
-              <a:t>Examples: What is the state space size?</a:t>
+              <a:t>Examples: What is the State Space Size?</a:t>
             </a:r>
           </a:p>
         </p:txBody>
@@ -8657,7 +11619,7 @@
         </p:nvSpPr>
         <p:spPr>
           <a:xfrm>
-            <a:off x="990600" y="4648200"/>
+            <a:off x="990600" y="4343400"/>
             <a:ext cx="1600200" cy="1169551"/>
           </a:xfrm>
           <a:prstGeom prst="rect">
@@ -8687,8 +11649,8 @@
           </a:p>
         </p:txBody>
       </p:sp>
-      <mc:AlternateContent xmlns:mc="http://schemas.openxmlformats.org/markup-compatibility/2006" xmlns:a14="http://schemas.microsoft.com/office/drawing/2010/main">
-        <mc:Choice Requires="a14">
+      <mc:AlternateContent xmlns:mc="http://schemas.openxmlformats.org/markup-compatibility/2006">
+        <mc:Choice xmlns:a14="http://schemas.microsoft.com/office/drawing/2010/main" Requires="a14">
           <p:sp>
             <p:nvSpPr>
               <p:cNvPr id="9" name="TextBox 8">
@@ -8703,7 +11665,7 @@
             </p:nvSpPr>
             <p:spPr>
               <a:xfrm>
-                <a:off x="2693194" y="4648200"/>
+                <a:off x="2693194" y="4343400"/>
                 <a:ext cx="1860945" cy="2076402"/>
               </a:xfrm>
               <a:prstGeom prst="rect">
@@ -8910,7 +11872,7 @@
             </p:txBody>
           </p:sp>
         </mc:Choice>
-        <mc:Fallback xmlns="">
+        <mc:Fallback>
           <p:sp>
             <p:nvSpPr>
               <p:cNvPr id="9" name="TextBox 8">
@@ -8927,7 +11889,7 @@
             </p:nvSpPr>
             <p:spPr>
               <a:xfrm>
-                <a:off x="2693194" y="4648200"/>
+                <a:off x="2693194" y="4343400"/>
                 <a:ext cx="1860945" cy="2076402"/>
               </a:xfrm>
               <a:prstGeom prst="rect">
@@ -8955,8 +11917,8 @@
           </p:sp>
         </mc:Fallback>
       </mc:AlternateContent>
-      <mc:AlternateContent xmlns:mc="http://schemas.openxmlformats.org/markup-compatibility/2006" xmlns:a14="http://schemas.microsoft.com/office/drawing/2010/main">
-        <mc:Choice Requires="a14">
+      <mc:AlternateContent xmlns:mc="http://schemas.openxmlformats.org/markup-compatibility/2006">
+        <mc:Choice xmlns:a14="http://schemas.microsoft.com/office/drawing/2010/main" Requires="a14">
           <p:sp>
             <p:nvSpPr>
               <p:cNvPr id="10" name="TextBox 9">
@@ -8971,7 +11933,7 @@
             </p:nvSpPr>
             <p:spPr>
               <a:xfrm>
-                <a:off x="4720830" y="4648200"/>
+                <a:off x="4720830" y="4343400"/>
                 <a:ext cx="1600200" cy="2003754"/>
               </a:xfrm>
               <a:prstGeom prst="rect">
@@ -9093,7 +12055,7 @@
             </p:txBody>
           </p:sp>
         </mc:Choice>
-        <mc:Fallback xmlns="">
+        <mc:Fallback>
           <p:sp>
             <p:nvSpPr>
               <p:cNvPr id="10" name="TextBox 9">
@@ -9110,7 +12072,7 @@
             </p:nvSpPr>
             <p:spPr>
               <a:xfrm>
-                <a:off x="4720830" y="4648200"/>
+                <a:off x="4720830" y="4343400"/>
                 <a:ext cx="1600200" cy="2003754"/>
               </a:xfrm>
               <a:prstGeom prst="rect">
@@ -9138,8 +12100,8 @@
           </p:sp>
         </mc:Fallback>
       </mc:AlternateContent>
-      <mc:AlternateContent xmlns:mc="http://schemas.openxmlformats.org/markup-compatibility/2006" xmlns:a14="http://schemas.microsoft.com/office/drawing/2010/main">
-        <mc:Choice Requires="a14">
+      <mc:AlternateContent xmlns:mc="http://schemas.openxmlformats.org/markup-compatibility/2006">
+        <mc:Choice xmlns:a14="http://schemas.microsoft.com/office/drawing/2010/main" Requires="a14">
           <p:sp>
             <p:nvSpPr>
               <p:cNvPr id="11" name="TextBox 10">
@@ -9154,8 +12116,8 @@
             </p:nvSpPr>
             <p:spPr>
               <a:xfrm>
-                <a:off x="6558096" y="4672093"/>
-                <a:ext cx="1823903" cy="1384995"/>
+                <a:off x="6558096" y="4367293"/>
+                <a:ext cx="1823903" cy="2154436"/>
               </a:xfrm>
               <a:prstGeom prst="rect">
                 <a:avLst/>
@@ -9241,10 +12203,19 @@
                   <a:t>Many boards are not legal (e.g., all x’s)</a:t>
                 </a:r>
               </a:p>
+              <a:p>
+                <a:endParaRPr lang="en-US" sz="1400" dirty="0"/>
+              </a:p>
+              <a:p>
+                <a:r>
+                  <a:rPr lang="en-US" sz="1200" dirty="0"/>
+                  <a:t>The actual number can be obtained by a depth-first traversal of the game tree.</a:t>
+                </a:r>
+              </a:p>
             </p:txBody>
           </p:sp>
         </mc:Choice>
-        <mc:Fallback xmlns="">
+        <mc:Fallback>
           <p:sp>
             <p:nvSpPr>
               <p:cNvPr id="11" name="TextBox 10">
@@ -9261,8 +12232,8 @@
             </p:nvSpPr>
             <p:spPr>
               <a:xfrm>
-                <a:off x="6558096" y="4672093"/>
-                <a:ext cx="1823903" cy="1384995"/>
+                <a:off x="6558096" y="4367293"/>
+                <a:ext cx="1823903" cy="2154436"/>
               </a:xfrm>
               <a:prstGeom prst="rect">
                 <a:avLst/>
@@ -9270,7 +12241,7 @@
               <a:blipFill>
                 <a:blip r:embed="rId9"/>
                 <a:stretch>
-                  <a:fillRect l="-1003" t="-439" b="-3509"/>
+                  <a:fillRect l="-1003" t="-282" b="-1130"/>
                 </a:stretch>
               </a:blipFill>
             </p:spPr>
@@ -9303,7 +12274,7 @@
         </p:nvCxnSpPr>
         <p:spPr>
           <a:xfrm>
-            <a:off x="2693194" y="4648200"/>
+            <a:off x="2693194" y="4343400"/>
             <a:ext cx="0" cy="1981200"/>
           </a:xfrm>
           <a:prstGeom prst="line">
@@ -9348,7 +12319,7 @@
         </p:nvCxnSpPr>
         <p:spPr>
           <a:xfrm>
-            <a:off x="4554139" y="4648200"/>
+            <a:off x="4554139" y="4343400"/>
             <a:ext cx="0" cy="1981200"/>
           </a:xfrm>
           <a:prstGeom prst="line">
@@ -9393,7 +12364,7 @@
         </p:nvCxnSpPr>
         <p:spPr>
           <a:xfrm>
-            <a:off x="6479381" y="4648200"/>
+            <a:off x="6479381" y="4343400"/>
             <a:ext cx="0" cy="1981200"/>
           </a:xfrm>
           <a:prstGeom prst="line">
@@ -9434,11 +12405,227 @@
   <p:clrMapOvr>
     <a:masterClrMapping/>
   </p:clrMapOvr>
+  <p:timing>
+    <p:tnLst>
+      <p:par>
+        <p:cTn id="1" dur="indefinite" restart="never" nodeType="tmRoot">
+          <p:childTnLst>
+            <p:seq concurrent="1" nextAc="seek">
+              <p:cTn id="2" dur="indefinite" nodeType="mainSeq">
+                <p:childTnLst>
+                  <p:par>
+                    <p:cTn id="3" fill="hold">
+                      <p:stCondLst>
+                        <p:cond delay="indefinite"/>
+                      </p:stCondLst>
+                      <p:childTnLst>
+                        <p:par>
+                          <p:cTn id="4" fill="hold">
+                            <p:stCondLst>
+                              <p:cond delay="0"/>
+                            </p:stCondLst>
+                            <p:childTnLst>
+                              <p:par>
+                                <p:cTn id="5" presetID="1" presetClass="entr" presetSubtype="0" fill="hold" grpId="0" nodeType="clickEffect">
+                                  <p:stCondLst>
+                                    <p:cond delay="0"/>
+                                  </p:stCondLst>
+                                  <p:childTnLst>
+                                    <p:set>
+                                      <p:cBhvr>
+                                        <p:cTn id="6" dur="1" fill="hold">
+                                          <p:stCondLst>
+                                            <p:cond delay="0"/>
+                                          </p:stCondLst>
+                                        </p:cTn>
+                                        <p:tgtEl>
+                                          <p:spTgt spid="3"/>
+                                        </p:tgtEl>
+                                        <p:attrNameLst>
+                                          <p:attrName>style.visibility</p:attrName>
+                                        </p:attrNameLst>
+                                      </p:cBhvr>
+                                      <p:to>
+                                        <p:strVal val="visible"/>
+                                      </p:to>
+                                    </p:set>
+                                  </p:childTnLst>
+                                </p:cTn>
+                              </p:par>
+                            </p:childTnLst>
+                          </p:cTn>
+                        </p:par>
+                      </p:childTnLst>
+                    </p:cTn>
+                  </p:par>
+                  <p:par>
+                    <p:cTn id="7" fill="hold">
+                      <p:stCondLst>
+                        <p:cond delay="indefinite"/>
+                      </p:stCondLst>
+                      <p:childTnLst>
+                        <p:par>
+                          <p:cTn id="8" fill="hold">
+                            <p:stCondLst>
+                              <p:cond delay="0"/>
+                            </p:stCondLst>
+                            <p:childTnLst>
+                              <p:par>
+                                <p:cTn id="9" presetID="1" presetClass="entr" presetSubtype="0" fill="hold" grpId="0" nodeType="clickEffect">
+                                  <p:stCondLst>
+                                    <p:cond delay="0"/>
+                                  </p:stCondLst>
+                                  <p:childTnLst>
+                                    <p:set>
+                                      <p:cBhvr>
+                                        <p:cTn id="10" dur="1" fill="hold">
+                                          <p:stCondLst>
+                                            <p:cond delay="0"/>
+                                          </p:stCondLst>
+                                        </p:cTn>
+                                        <p:tgtEl>
+                                          <p:spTgt spid="9"/>
+                                        </p:tgtEl>
+                                        <p:attrNameLst>
+                                          <p:attrName>style.visibility</p:attrName>
+                                        </p:attrNameLst>
+                                      </p:cBhvr>
+                                      <p:to>
+                                        <p:strVal val="visible"/>
+                                      </p:to>
+                                    </p:set>
+                                  </p:childTnLst>
+                                </p:cTn>
+                              </p:par>
+                            </p:childTnLst>
+                          </p:cTn>
+                        </p:par>
+                      </p:childTnLst>
+                    </p:cTn>
+                  </p:par>
+                  <p:par>
+                    <p:cTn id="11" fill="hold">
+                      <p:stCondLst>
+                        <p:cond delay="indefinite"/>
+                      </p:stCondLst>
+                      <p:childTnLst>
+                        <p:par>
+                          <p:cTn id="12" fill="hold">
+                            <p:stCondLst>
+                              <p:cond delay="0"/>
+                            </p:stCondLst>
+                            <p:childTnLst>
+                              <p:par>
+                                <p:cTn id="13" presetID="1" presetClass="entr" presetSubtype="0" fill="hold" grpId="0" nodeType="clickEffect">
+                                  <p:stCondLst>
+                                    <p:cond delay="0"/>
+                                  </p:stCondLst>
+                                  <p:childTnLst>
+                                    <p:set>
+                                      <p:cBhvr>
+                                        <p:cTn id="14" dur="1" fill="hold">
+                                          <p:stCondLst>
+                                            <p:cond delay="0"/>
+                                          </p:stCondLst>
+                                        </p:cTn>
+                                        <p:tgtEl>
+                                          <p:spTgt spid="10"/>
+                                        </p:tgtEl>
+                                        <p:attrNameLst>
+                                          <p:attrName>style.visibility</p:attrName>
+                                        </p:attrNameLst>
+                                      </p:cBhvr>
+                                      <p:to>
+                                        <p:strVal val="visible"/>
+                                      </p:to>
+                                    </p:set>
+                                  </p:childTnLst>
+                                </p:cTn>
+                              </p:par>
+                            </p:childTnLst>
+                          </p:cTn>
+                        </p:par>
+                      </p:childTnLst>
+                    </p:cTn>
+                  </p:par>
+                  <p:par>
+                    <p:cTn id="15" fill="hold">
+                      <p:stCondLst>
+                        <p:cond delay="indefinite"/>
+                      </p:stCondLst>
+                      <p:childTnLst>
+                        <p:par>
+                          <p:cTn id="16" fill="hold">
+                            <p:stCondLst>
+                              <p:cond delay="0"/>
+                            </p:stCondLst>
+                            <p:childTnLst>
+                              <p:par>
+                                <p:cTn id="17" presetID="1" presetClass="entr" presetSubtype="0" fill="hold" grpId="0" nodeType="clickEffect">
+                                  <p:stCondLst>
+                                    <p:cond delay="0"/>
+                                  </p:stCondLst>
+                                  <p:childTnLst>
+                                    <p:set>
+                                      <p:cBhvr>
+                                        <p:cTn id="18" dur="1" fill="hold">
+                                          <p:stCondLst>
+                                            <p:cond delay="0"/>
+                                          </p:stCondLst>
+                                        </p:cTn>
+                                        <p:tgtEl>
+                                          <p:spTgt spid="11"/>
+                                        </p:tgtEl>
+                                        <p:attrNameLst>
+                                          <p:attrName>style.visibility</p:attrName>
+                                        </p:attrNameLst>
+                                      </p:cBhvr>
+                                      <p:to>
+                                        <p:strVal val="visible"/>
+                                      </p:to>
+                                    </p:set>
+                                  </p:childTnLst>
+                                </p:cTn>
+                              </p:par>
+                            </p:childTnLst>
+                          </p:cTn>
+                        </p:par>
+                      </p:childTnLst>
+                    </p:cTn>
+                  </p:par>
+                </p:childTnLst>
+              </p:cTn>
+              <p:prevCondLst>
+                <p:cond evt="onPrev" delay="0">
+                  <p:tgtEl>
+                    <p:sldTgt/>
+                  </p:tgtEl>
+                </p:cond>
+              </p:prevCondLst>
+              <p:nextCondLst>
+                <p:cond evt="onNext" delay="0">
+                  <p:tgtEl>
+                    <p:sldTgt/>
+                  </p:tgtEl>
+                </p:cond>
+              </p:nextCondLst>
+            </p:seq>
+          </p:childTnLst>
+        </p:cTn>
+      </p:par>
+    </p:tnLst>
+    <p:bldLst>
+      <p:bldP spid="3" grpId="0"/>
+      <p:bldP spid="9" grpId="0"/>
+      <p:bldP spid="10" grpId="0"/>
+      <p:bldP spid="11" grpId="0"/>
+    </p:bldLst>
+  </p:timing>
 </p:sld>
 </file>
 
 <file path=ppt/slides/slide9.xml><?xml version="1.0" encoding="utf-8"?>
-<p:sld xmlns:a="http://schemas.openxmlformats.org/drawingml/2006/main" xmlns:r="http://schemas.openxmlformats.org/officeDocument/2006/relationships" xmlns:p="http://schemas.openxmlformats.org/presentationml/2006/main">
+<p:sld xmlns:a="http://schemas.openxmlformats.org/drawingml/2006/main" xmlns:r="http://schemas.openxmlformats.org/officeDocument/2006/relationships" xmlns:p="http://schemas.openxmlformats.org/presentationml/2006/main" show="0">
   <p:cSld>
     <p:spTree>
       <p:nvGrpSpPr>
@@ -9459,7 +12646,7 @@
           <p:cNvPr id="2" name="Title 1">
             <a:extLst>
               <a:ext uri="{FF2B5EF4-FFF2-40B4-BE49-F238E27FC236}">
-                <a16:creationId xmlns:a16="http://schemas.microsoft.com/office/drawing/2014/main" id="{207265BA-DD7D-7843-DF7A-6F8E9C3F3113}"/>
+                <a16:creationId xmlns:a16="http://schemas.microsoft.com/office/drawing/2014/main" id="{E0F39E30-6893-4BA5-A7BD-8CE03B569160}"/>
               </a:ext>
             </a:extLst>
           </p:cNvPr>
@@ -9472,45 +12659,422 @@
         </p:nvSpPr>
         <p:spPr/>
         <p:txBody>
-          <a:bodyPr/>
-          <a:lstStyle/>
-          <a:p>
-            <a:r>
-              <a:rPr lang="en-US" dirty="0"/>
-              <a:t>Assignment</a:t>
-            </a:r>
-          </a:p>
-        </p:txBody>
-      </p:sp>
-      <p:sp>
-        <p:nvSpPr>
-          <p:cNvPr id="6" name="Content Placeholder 5">
-            <a:extLst>
-              <a:ext uri="{FF2B5EF4-FFF2-40B4-BE49-F238E27FC236}">
-                <a16:creationId xmlns:a16="http://schemas.microsoft.com/office/drawing/2014/main" id="{06BC5E19-579D-32E3-6A37-AADAD116C2DF}"/>
-              </a:ext>
-            </a:extLst>
-          </p:cNvPr>
-          <p:cNvSpPr>
-            <a:spLocks noGrp="1"/>
-          </p:cNvSpPr>
-          <p:nvPr>
-            <p:ph idx="1"/>
-          </p:nvPr>
-        </p:nvSpPr>
-        <p:spPr/>
-        <p:txBody>
-          <a:bodyPr anchor="ctr">
+          <a:bodyPr vert="horz" lIns="68580" tIns="34290" rIns="68580" bIns="34290" rtlCol="0" anchor="ctr">
             <a:normAutofit/>
           </a:bodyPr>
           <a:lstStyle/>
           <a:p>
-            <a:pPr marL="0" indent="0" algn="ctr">
-              <a:buNone/>
-            </a:pPr>
-            <a:r>
-              <a:rPr lang="en-US" sz="6600" dirty="0"/>
-              <a:t>Q&amp;A</a:t>
+            <a:r>
+              <a:rPr lang="en-US" sz="3000" dirty="0"/>
+              <a:t>Example: What is the Search Complexity?</a:t>
+            </a:r>
+          </a:p>
+        </p:txBody>
+      </p:sp>
+      <mc:AlternateContent xmlns:mc="http://schemas.openxmlformats.org/markup-compatibility/2006">
+        <mc:Choice xmlns:a14="http://schemas.microsoft.com/office/drawing/2010/main" Requires="a14">
+          <p:sp>
+            <p:nvSpPr>
+              <p:cNvPr id="21" name="Content Placeholder 20">
+                <a:extLst>
+                  <a:ext uri="{FF2B5EF4-FFF2-40B4-BE49-F238E27FC236}">
+                    <a16:creationId xmlns:a16="http://schemas.microsoft.com/office/drawing/2014/main" id="{39A5693D-07D0-6814-1463-F5C269E85442}"/>
+                  </a:ext>
+                </a:extLst>
+              </p:cNvPr>
+              <p:cNvSpPr>
+                <a:spLocks noGrp="1"/>
+              </p:cNvSpPr>
+              <p:nvPr>
+                <p:ph sz="half" idx="1"/>
+              </p:nvPr>
+            </p:nvSpPr>
+            <p:spPr/>
+            <p:txBody>
+              <a:bodyPr>
+                <a:normAutofit fontScale="85000" lnSpcReduction="20000"/>
+              </a:bodyPr>
+              <a:lstStyle/>
+              <a:p>
+                <a14:m>
+                  <m:oMath xmlns:m="http://schemas.openxmlformats.org/officeDocument/2006/math">
+                    <m:r>
+                      <a:rPr lang="en-US" sz="2700" i="1" dirty="0" smtClean="0">
+                        <a:latin typeface="Cambria Math" panose="02040503050406030204" pitchFamily="18" charset="0"/>
+                      </a:rPr>
+                      <m:t>𝑏</m:t>
+                    </m:r>
+                  </m:oMath>
+                </a14:m>
+                <a:r>
+                  <a:rPr lang="en-US" sz="2700" i="1" dirty="0"/>
+                  <a:t>:</a:t>
+                </a:r>
+                <a:r>
+                  <a:rPr lang="en-US" sz="2700" dirty="0"/>
+                  <a:t> maximum branching factor = number of available actions?</a:t>
+                </a:r>
+                <a:br>
+                  <a:rPr lang="en-US" sz="2700" dirty="0"/>
+                </a:br>
+                <a:endParaRPr lang="en-US" sz="2700" dirty="0"/>
+              </a:p>
+              <a:p>
+                <a:pPr marL="342900" lvl="1" indent="0">
+                  <a:buNone/>
+                </a:pPr>
+                <a:r>
+                  <a:rPr lang="en-US" sz="2400" dirty="0"/>
+                  <a:t>3</a:t>
+                </a:r>
+                <a:br>
+                  <a:rPr lang="en-US" sz="2400" dirty="0"/>
+                </a:br>
+                <a:endParaRPr lang="en-US" sz="2400" b="1" i="1" dirty="0"/>
+              </a:p>
+              <a:p>
+                <a14:m>
+                  <m:oMath xmlns:m="http://schemas.openxmlformats.org/officeDocument/2006/math">
+                    <m:r>
+                      <a:rPr lang="en-US" sz="2700" i="1" dirty="0">
+                        <a:latin typeface="Cambria Math" panose="02040503050406030204" pitchFamily="18" charset="0"/>
+                      </a:rPr>
+                      <m:t>𝑚</m:t>
+                    </m:r>
+                  </m:oMath>
+                </a14:m>
+                <a:r>
+                  <a:rPr lang="en-US" sz="2700" i="1" dirty="0"/>
+                  <a:t>: </a:t>
+                </a:r>
+                <a:r>
+                  <a:rPr lang="en-US" sz="2700" dirty="0"/>
+                  <a:t>the number of actions in any path? Without loops!</a:t>
+                </a:r>
+                <a:br>
+                  <a:rPr lang="en-US" sz="2700" dirty="0"/>
+                </a:br>
+                <a:endParaRPr lang="en-US" sz="2700" dirty="0"/>
+              </a:p>
+              <a:p>
+                <a:pPr marL="342900" lvl="1" indent="0">
+                  <a:buNone/>
+                </a:pPr>
+                <a:r>
+                  <a:rPr lang="en-US" sz="2400" dirty="0"/>
+                  <a:t>4</a:t>
+                </a:r>
+                <a:br>
+                  <a:rPr lang="en-US" sz="2400" dirty="0"/>
+                </a:br>
+                <a:endParaRPr lang="en-US" sz="2400" dirty="0"/>
+              </a:p>
+              <a:p>
+                <a14:m>
+                  <m:oMath xmlns:m="http://schemas.openxmlformats.org/officeDocument/2006/math">
+                    <m:r>
+                      <a:rPr lang="en-US" sz="2700" i="1" dirty="0" smtClean="0">
+                        <a:latin typeface="Cambria Math" panose="02040503050406030204" pitchFamily="18" charset="0"/>
+                      </a:rPr>
+                      <m:t>𝑑</m:t>
+                    </m:r>
+                  </m:oMath>
+                </a14:m>
+                <a:r>
+                  <a:rPr lang="en-US" sz="2700" i="1" dirty="0"/>
+                  <a:t>: </a:t>
+                </a:r>
+                <a:r>
+                  <a:rPr lang="en-US" sz="2700" dirty="0"/>
+                  <a:t>depth of the optimal solution?</a:t>
+                </a:r>
+                <a:br>
+                  <a:rPr lang="en-US" sz="2700" dirty="0"/>
+                </a:br>
+                <a:endParaRPr lang="en-US" sz="2700" dirty="0"/>
+              </a:p>
+              <a:p>
+                <a:pPr marL="342900" lvl="1" indent="0">
+                  <a:buNone/>
+                </a:pPr>
+                <a:r>
+                  <a:rPr lang="en-US" sz="2400" dirty="0"/>
+                  <a:t>3</a:t>
+                </a:r>
+                <a:br>
+                  <a:rPr lang="en-US" sz="2400" dirty="0"/>
+                </a:br>
+                <a:endParaRPr lang="en-US" dirty="0"/>
+              </a:p>
+            </p:txBody>
+          </p:sp>
+        </mc:Choice>
+        <mc:Fallback>
+          <p:sp>
+            <p:nvSpPr>
+              <p:cNvPr id="21" name="Content Placeholder 20">
+                <a:extLst>
+                  <a:ext uri="{FF2B5EF4-FFF2-40B4-BE49-F238E27FC236}">
+                    <a16:creationId xmlns:a16="http://schemas.microsoft.com/office/drawing/2014/main" id="{39A5693D-07D0-6814-1463-F5C269E85442}"/>
+                  </a:ext>
+                </a:extLst>
+              </p:cNvPr>
+              <p:cNvSpPr>
+                <a:spLocks noGrp="1" noRot="1" noChangeAspect="1" noMove="1" noResize="1" noEditPoints="1" noAdjustHandles="1" noChangeArrowheads="1" noChangeShapeType="1" noTextEdit="1"/>
+              </p:cNvSpPr>
+              <p:nvPr>
+                <p:ph sz="half" idx="1"/>
+              </p:nvPr>
+            </p:nvSpPr>
+            <p:spPr>
+              <a:blipFill>
+                <a:blip r:embed="rId2"/>
+                <a:stretch>
+                  <a:fillRect l="-1881" t="-3081" r="-3292"/>
+                </a:stretch>
+              </a:blipFill>
+            </p:spPr>
+            <p:txBody>
+              <a:bodyPr/>
+              <a:lstStyle/>
+              <a:p>
+                <a:r>
+                  <a:rPr lang="en-US">
+                    <a:noFill/>
+                  </a:rPr>
+                  <a:t> </a:t>
+                </a:r>
+              </a:p>
+            </p:txBody>
+          </p:sp>
+        </mc:Fallback>
+      </mc:AlternateContent>
+      <p:grpSp>
+        <p:nvGrpSpPr>
+          <p:cNvPr id="11" name="Group 10">
+            <a:extLst>
+              <a:ext uri="{FF2B5EF4-FFF2-40B4-BE49-F238E27FC236}">
+                <a16:creationId xmlns:a16="http://schemas.microsoft.com/office/drawing/2014/main" id="{AE29FF94-932F-99E0-EC33-B30357C17189}"/>
+              </a:ext>
+            </a:extLst>
+          </p:cNvPr>
+          <p:cNvGrpSpPr/>
+          <p:nvPr/>
+        </p:nvGrpSpPr>
+        <p:grpSpPr>
+          <a:xfrm>
+            <a:off x="5181599" y="2338557"/>
+            <a:ext cx="3562601" cy="2157243"/>
+            <a:chOff x="3443345" y="3786606"/>
+            <a:chExt cx="5700655" cy="3071394"/>
+          </a:xfrm>
+        </p:grpSpPr>
+        <p:pic>
+          <p:nvPicPr>
+            <p:cNvPr id="12" name="Picture 6">
+              <a:extLst>
+                <a:ext uri="{FF2B5EF4-FFF2-40B4-BE49-F238E27FC236}">
+                  <a16:creationId xmlns:a16="http://schemas.microsoft.com/office/drawing/2014/main" id="{C47B5471-F4C2-5D4B-0E0B-3E432E733C1D}"/>
+                </a:ext>
+              </a:extLst>
+            </p:cNvPr>
+            <p:cNvPicPr>
+              <a:picLocks noChangeAspect="1" noChangeArrowheads="1"/>
+            </p:cNvPicPr>
+            <p:nvPr/>
+          </p:nvPicPr>
+          <p:blipFill>
+            <a:blip r:embed="rId3" cstate="print"/>
+            <a:srcRect/>
+            <a:stretch>
+              <a:fillRect/>
+            </a:stretch>
+          </p:blipFill>
+          <p:spPr bwMode="auto">
+            <a:xfrm>
+              <a:off x="3443345" y="4142196"/>
+              <a:ext cx="5700655" cy="2715804"/>
+            </a:xfrm>
+            <a:prstGeom prst="rect">
+              <a:avLst/>
+            </a:prstGeom>
+            <a:noFill/>
+            <a:ln w="9525">
+              <a:noFill/>
+              <a:miter lim="800000"/>
+              <a:headEnd/>
+              <a:tailEnd/>
+            </a:ln>
+          </p:spPr>
+        </p:pic>
+        <p:sp>
+          <p:nvSpPr>
+            <p:cNvPr id="18" name="Rectangle 17">
+              <a:extLst>
+                <a:ext uri="{FF2B5EF4-FFF2-40B4-BE49-F238E27FC236}">
+                  <a16:creationId xmlns:a16="http://schemas.microsoft.com/office/drawing/2014/main" id="{87E4871E-1C38-FE1D-0C87-EB6B7FBF36B9}"/>
+                </a:ext>
+              </a:extLst>
+            </p:cNvPr>
+            <p:cNvSpPr/>
+            <p:nvPr/>
+          </p:nvSpPr>
+          <p:spPr>
+            <a:xfrm>
+              <a:off x="5195945" y="6009235"/>
+              <a:ext cx="2133600" cy="505736"/>
+            </a:xfrm>
+            <a:prstGeom prst="rect">
+              <a:avLst/>
+            </a:prstGeom>
+            <a:noFill/>
+            <a:ln w="38100" cap="flat" cmpd="sng" algn="ctr">
+              <a:solidFill>
+                <a:schemeClr val="accent2"/>
+              </a:solidFill>
+              <a:prstDash val="solid"/>
+              <a:round/>
+              <a:headEnd type="none" w="med" len="med"/>
+              <a:tailEnd type="none" w="med" len="med"/>
+            </a:ln>
+          </p:spPr>
+          <p:style>
+            <a:lnRef idx="0">
+              <a:scrgbClr r="0" g="0" b="0"/>
+            </a:lnRef>
+            <a:fillRef idx="0">
+              <a:scrgbClr r="0" g="0" b="0"/>
+            </a:fillRef>
+            <a:effectRef idx="0">
+              <a:scrgbClr r="0" g="0" b="0"/>
+            </a:effectRef>
+            <a:fontRef idx="minor">
+              <a:schemeClr val="accent2"/>
+            </a:fontRef>
+          </p:style>
+          <p:txBody>
+            <a:bodyPr rtlCol="0" anchor="ctr"/>
+            <a:lstStyle/>
+            <a:p>
+              <a:pPr algn="ctr"/>
+              <a:endParaRPr lang="en-US" sz="1200"/>
+            </a:p>
+          </p:txBody>
+        </p:sp>
+        <p:sp>
+          <p:nvSpPr>
+            <p:cNvPr id="19" name="TextBox 18">
+              <a:extLst>
+                <a:ext uri="{FF2B5EF4-FFF2-40B4-BE49-F238E27FC236}">
+                  <a16:creationId xmlns:a16="http://schemas.microsoft.com/office/drawing/2014/main" id="{AE270D5F-3798-5A7A-89E4-58DBA42598C4}"/>
+                </a:ext>
+              </a:extLst>
+            </p:cNvPr>
+            <p:cNvSpPr txBox="1"/>
+            <p:nvPr/>
+          </p:nvSpPr>
+          <p:spPr>
+            <a:xfrm>
+              <a:off x="5106831" y="3786606"/>
+              <a:ext cx="1441955" cy="394380"/>
+            </a:xfrm>
+            <a:prstGeom prst="rect">
+              <a:avLst/>
+            </a:prstGeom>
+            <a:noFill/>
+          </p:spPr>
+          <p:txBody>
+            <a:bodyPr wrap="none" rtlCol="0">
+              <a:spAutoFit/>
+            </a:bodyPr>
+            <a:lstStyle/>
+            <a:p>
+              <a:r>
+                <a:rPr lang="en-US" sz="1200" b="1" dirty="0">
+                  <a:solidFill>
+                    <a:schemeClr val="accent2">
+                      <a:lumMod val="50000"/>
+                    </a:schemeClr>
+                  </a:solidFill>
+                </a:rPr>
+                <a:t>Initial state</a:t>
+              </a:r>
+            </a:p>
+          </p:txBody>
+        </p:sp>
+        <p:sp>
+          <p:nvSpPr>
+            <p:cNvPr id="20" name="TextBox 19">
+              <a:extLst>
+                <a:ext uri="{FF2B5EF4-FFF2-40B4-BE49-F238E27FC236}">
+                  <a16:creationId xmlns:a16="http://schemas.microsoft.com/office/drawing/2014/main" id="{BDA9B98B-A967-CB14-C48B-C9D0922C3C05}"/>
+                </a:ext>
+              </a:extLst>
+            </p:cNvPr>
+            <p:cNvSpPr txBox="1"/>
+            <p:nvPr/>
+          </p:nvSpPr>
+          <p:spPr>
+            <a:xfrm>
+              <a:off x="3734781" y="6096000"/>
+              <a:ext cx="1421435" cy="394380"/>
+            </a:xfrm>
+            <a:prstGeom prst="rect">
+              <a:avLst/>
+            </a:prstGeom>
+            <a:noFill/>
+          </p:spPr>
+          <p:txBody>
+            <a:bodyPr wrap="none" rtlCol="0">
+              <a:spAutoFit/>
+            </a:bodyPr>
+            <a:lstStyle/>
+            <a:p>
+              <a:r>
+                <a:rPr lang="en-US" sz="1200" b="1" dirty="0">
+                  <a:solidFill>
+                    <a:schemeClr val="accent2">
+                      <a:lumMod val="50000"/>
+                    </a:schemeClr>
+                  </a:solidFill>
+                </a:rPr>
+                <a:t>Goal states</a:t>
+              </a:r>
+            </a:p>
+          </p:txBody>
+        </p:sp>
+      </p:grpSp>
+      <p:sp>
+        <p:nvSpPr>
+          <p:cNvPr id="28" name="TextBox 27">
+            <a:extLst>
+              <a:ext uri="{FF2B5EF4-FFF2-40B4-BE49-F238E27FC236}">
+                <a16:creationId xmlns:a16="http://schemas.microsoft.com/office/drawing/2014/main" id="{77679CBA-ABAB-A930-AE02-106964BF8603}"/>
+              </a:ext>
+            </a:extLst>
+          </p:cNvPr>
+          <p:cNvSpPr txBox="1"/>
+          <p:nvPr/>
+        </p:nvSpPr>
+        <p:spPr>
+          <a:xfrm>
+            <a:off x="5181599" y="1842870"/>
+            <a:ext cx="3486401" cy="369332"/>
+          </a:xfrm>
+          <a:prstGeom prst="rect">
+            <a:avLst/>
+          </a:prstGeom>
+          <a:noFill/>
+        </p:spPr>
+        <p:txBody>
+          <a:bodyPr wrap="square" rtlCol="0">
+            <a:spAutoFit/>
+          </a:bodyPr>
+          <a:lstStyle/>
+          <a:p>
+            <a:r>
+              <a:rPr lang="en-US" dirty="0"/>
+              <a:t>State Space with Transition Model</a:t>
             </a:r>
           </a:p>
         </p:txBody>
@@ -9518,13 +13082,322 @@
     </p:spTree>
     <p:extLst>
       <p:ext uri="{BB962C8B-B14F-4D97-AF65-F5344CB8AC3E}">
-        <p14:creationId xmlns:p14="http://schemas.microsoft.com/office/powerpoint/2010/main" val="340506066"/>
+        <p14:creationId xmlns:p14="http://schemas.microsoft.com/office/powerpoint/2010/main" val="143468379"/>
       </p:ext>
     </p:extLst>
   </p:cSld>
   <p:clrMapOvr>
     <a:masterClrMapping/>
   </p:clrMapOvr>
+  <p:timing>
+    <p:tnLst>
+      <p:par>
+        <p:cTn id="1" dur="indefinite" restart="never" nodeType="tmRoot">
+          <p:childTnLst>
+            <p:seq concurrent="1" nextAc="seek">
+              <p:cTn id="2" dur="indefinite" nodeType="mainSeq">
+                <p:childTnLst>
+                  <p:par>
+                    <p:cTn id="3" fill="hold">
+                      <p:stCondLst>
+                        <p:cond delay="indefinite"/>
+                      </p:stCondLst>
+                      <p:childTnLst>
+                        <p:par>
+                          <p:cTn id="4" fill="hold">
+                            <p:stCondLst>
+                              <p:cond delay="0"/>
+                            </p:stCondLst>
+                            <p:childTnLst>
+                              <p:par>
+                                <p:cTn id="5" presetID="1" presetClass="entr" presetSubtype="0" fill="hold" grpId="0" nodeType="clickEffect">
+                                  <p:stCondLst>
+                                    <p:cond delay="0"/>
+                                  </p:stCondLst>
+                                  <p:childTnLst>
+                                    <p:set>
+                                      <p:cBhvr>
+                                        <p:cTn id="6" dur="1" fill="hold">
+                                          <p:stCondLst>
+                                            <p:cond delay="0"/>
+                                          </p:stCondLst>
+                                        </p:cTn>
+                                        <p:tgtEl>
+                                          <p:spTgt spid="21">
+                                            <p:txEl>
+                                              <p:pRg st="0" end="0"/>
+                                            </p:txEl>
+                                          </p:spTgt>
+                                        </p:tgtEl>
+                                        <p:attrNameLst>
+                                          <p:attrName>style.visibility</p:attrName>
+                                        </p:attrNameLst>
+                                      </p:cBhvr>
+                                      <p:to>
+                                        <p:strVal val="visible"/>
+                                      </p:to>
+                                    </p:set>
+                                  </p:childTnLst>
+                                </p:cTn>
+                              </p:par>
+                            </p:childTnLst>
+                          </p:cTn>
+                        </p:par>
+                      </p:childTnLst>
+                    </p:cTn>
+                  </p:par>
+                  <p:par>
+                    <p:cTn id="7" fill="hold">
+                      <p:stCondLst>
+                        <p:cond delay="indefinite"/>
+                      </p:stCondLst>
+                      <p:childTnLst>
+                        <p:par>
+                          <p:cTn id="8" fill="hold">
+                            <p:stCondLst>
+                              <p:cond delay="0"/>
+                            </p:stCondLst>
+                            <p:childTnLst>
+                              <p:par>
+                                <p:cTn id="9" presetID="1" presetClass="entr" presetSubtype="0" fill="hold" grpId="0" nodeType="clickEffect">
+                                  <p:stCondLst>
+                                    <p:cond delay="0"/>
+                                  </p:stCondLst>
+                                  <p:childTnLst>
+                                    <p:set>
+                                      <p:cBhvr>
+                                        <p:cTn id="10" dur="1" fill="hold">
+                                          <p:stCondLst>
+                                            <p:cond delay="0"/>
+                                          </p:stCondLst>
+                                        </p:cTn>
+                                        <p:tgtEl>
+                                          <p:spTgt spid="21">
+                                            <p:txEl>
+                                              <p:pRg st="1" end="1"/>
+                                            </p:txEl>
+                                          </p:spTgt>
+                                        </p:tgtEl>
+                                        <p:attrNameLst>
+                                          <p:attrName>style.visibility</p:attrName>
+                                        </p:attrNameLst>
+                                      </p:cBhvr>
+                                      <p:to>
+                                        <p:strVal val="visible"/>
+                                      </p:to>
+                                    </p:set>
+                                  </p:childTnLst>
+                                </p:cTn>
+                              </p:par>
+                            </p:childTnLst>
+                          </p:cTn>
+                        </p:par>
+                      </p:childTnLst>
+                    </p:cTn>
+                  </p:par>
+                  <p:par>
+                    <p:cTn id="11" fill="hold">
+                      <p:stCondLst>
+                        <p:cond delay="indefinite"/>
+                      </p:stCondLst>
+                      <p:childTnLst>
+                        <p:par>
+                          <p:cTn id="12" fill="hold">
+                            <p:stCondLst>
+                              <p:cond delay="0"/>
+                            </p:stCondLst>
+                            <p:childTnLst>
+                              <p:par>
+                                <p:cTn id="13" presetID="1" presetClass="entr" presetSubtype="0" fill="hold" grpId="0" nodeType="clickEffect">
+                                  <p:stCondLst>
+                                    <p:cond delay="0"/>
+                                  </p:stCondLst>
+                                  <p:childTnLst>
+                                    <p:set>
+                                      <p:cBhvr>
+                                        <p:cTn id="14" dur="1" fill="hold">
+                                          <p:stCondLst>
+                                            <p:cond delay="0"/>
+                                          </p:stCondLst>
+                                        </p:cTn>
+                                        <p:tgtEl>
+                                          <p:spTgt spid="21">
+                                            <p:txEl>
+                                              <p:pRg st="2" end="2"/>
+                                            </p:txEl>
+                                          </p:spTgt>
+                                        </p:tgtEl>
+                                        <p:attrNameLst>
+                                          <p:attrName>style.visibility</p:attrName>
+                                        </p:attrNameLst>
+                                      </p:cBhvr>
+                                      <p:to>
+                                        <p:strVal val="visible"/>
+                                      </p:to>
+                                    </p:set>
+                                  </p:childTnLst>
+                                </p:cTn>
+                              </p:par>
+                            </p:childTnLst>
+                          </p:cTn>
+                        </p:par>
+                      </p:childTnLst>
+                    </p:cTn>
+                  </p:par>
+                  <p:par>
+                    <p:cTn id="15" fill="hold">
+                      <p:stCondLst>
+                        <p:cond delay="indefinite"/>
+                      </p:stCondLst>
+                      <p:childTnLst>
+                        <p:par>
+                          <p:cTn id="16" fill="hold">
+                            <p:stCondLst>
+                              <p:cond delay="0"/>
+                            </p:stCondLst>
+                            <p:childTnLst>
+                              <p:par>
+                                <p:cTn id="17" presetID="1" presetClass="entr" presetSubtype="0" fill="hold" grpId="0" nodeType="clickEffect">
+                                  <p:stCondLst>
+                                    <p:cond delay="0"/>
+                                  </p:stCondLst>
+                                  <p:childTnLst>
+                                    <p:set>
+                                      <p:cBhvr>
+                                        <p:cTn id="18" dur="1" fill="hold">
+                                          <p:stCondLst>
+                                            <p:cond delay="0"/>
+                                          </p:stCondLst>
+                                        </p:cTn>
+                                        <p:tgtEl>
+                                          <p:spTgt spid="21">
+                                            <p:txEl>
+                                              <p:pRg st="3" end="3"/>
+                                            </p:txEl>
+                                          </p:spTgt>
+                                        </p:tgtEl>
+                                        <p:attrNameLst>
+                                          <p:attrName>style.visibility</p:attrName>
+                                        </p:attrNameLst>
+                                      </p:cBhvr>
+                                      <p:to>
+                                        <p:strVal val="visible"/>
+                                      </p:to>
+                                    </p:set>
+                                  </p:childTnLst>
+                                </p:cTn>
+                              </p:par>
+                            </p:childTnLst>
+                          </p:cTn>
+                        </p:par>
+                      </p:childTnLst>
+                    </p:cTn>
+                  </p:par>
+                  <p:par>
+                    <p:cTn id="19" fill="hold">
+                      <p:stCondLst>
+                        <p:cond delay="indefinite"/>
+                      </p:stCondLst>
+                      <p:childTnLst>
+                        <p:par>
+                          <p:cTn id="20" fill="hold">
+                            <p:stCondLst>
+                              <p:cond delay="0"/>
+                            </p:stCondLst>
+                            <p:childTnLst>
+                              <p:par>
+                                <p:cTn id="21" presetID="1" presetClass="entr" presetSubtype="0" fill="hold" grpId="0" nodeType="clickEffect">
+                                  <p:stCondLst>
+                                    <p:cond delay="0"/>
+                                  </p:stCondLst>
+                                  <p:childTnLst>
+                                    <p:set>
+                                      <p:cBhvr>
+                                        <p:cTn id="22" dur="1" fill="hold">
+                                          <p:stCondLst>
+                                            <p:cond delay="0"/>
+                                          </p:stCondLst>
+                                        </p:cTn>
+                                        <p:tgtEl>
+                                          <p:spTgt spid="21">
+                                            <p:txEl>
+                                              <p:pRg st="4" end="4"/>
+                                            </p:txEl>
+                                          </p:spTgt>
+                                        </p:tgtEl>
+                                        <p:attrNameLst>
+                                          <p:attrName>style.visibility</p:attrName>
+                                        </p:attrNameLst>
+                                      </p:cBhvr>
+                                      <p:to>
+                                        <p:strVal val="visible"/>
+                                      </p:to>
+                                    </p:set>
+                                  </p:childTnLst>
+                                </p:cTn>
+                              </p:par>
+                              <p:par>
+                                <p:cTn id="23" presetID="1" presetClass="entr" presetSubtype="0" fill="hold" grpId="0" nodeType="withEffect">
+                                  <p:stCondLst>
+                                    <p:cond delay="0"/>
+                                  </p:stCondLst>
+                                  <p:childTnLst>
+                                    <p:set>
+                                      <p:cBhvr>
+                                        <p:cTn id="24" dur="1" fill="hold">
+                                          <p:stCondLst>
+                                            <p:cond delay="0"/>
+                                          </p:stCondLst>
+                                        </p:cTn>
+                                        <p:tgtEl>
+                                          <p:spTgt spid="21">
+                                            <p:txEl>
+                                              <p:pRg st="5" end="5"/>
+                                            </p:txEl>
+                                          </p:spTgt>
+                                        </p:tgtEl>
+                                        <p:attrNameLst>
+                                          <p:attrName>style.visibility</p:attrName>
+                                        </p:attrNameLst>
+                                      </p:cBhvr>
+                                      <p:to>
+                                        <p:strVal val="visible"/>
+                                      </p:to>
+                                    </p:set>
+                                  </p:childTnLst>
+                                </p:cTn>
+                              </p:par>
+                            </p:childTnLst>
+                          </p:cTn>
+                        </p:par>
+                      </p:childTnLst>
+                    </p:cTn>
+                  </p:par>
+                </p:childTnLst>
+              </p:cTn>
+              <p:prevCondLst>
+                <p:cond evt="onPrev" delay="0">
+                  <p:tgtEl>
+                    <p:sldTgt/>
+                  </p:tgtEl>
+                </p:cond>
+              </p:prevCondLst>
+              <p:nextCondLst>
+                <p:cond evt="onNext" delay="0">
+                  <p:tgtEl>
+                    <p:sldTgt/>
+                  </p:tgtEl>
+                </p:cond>
+              </p:nextCondLst>
+            </p:seq>
+          </p:childTnLst>
+        </p:cTn>
+      </p:par>
+    </p:tnLst>
+    <p:bldLst>
+      <p:bldP spid="21" grpId="0" uiExpand="1" build="p"/>
+    </p:bldLst>
+  </p:timing>
 </p:sld>
 </file>
 

--- a/slides/03_search_discussion.pptx
+++ b/slides/03_search_discussion.pptx
@@ -4530,7 +4530,7 @@
 </file>
 
 <file path=ppt/slides/slide10.xml><?xml version="1.0" encoding="utf-8"?>
-<p:sld xmlns:a="http://schemas.openxmlformats.org/drawingml/2006/main" xmlns:r="http://schemas.openxmlformats.org/officeDocument/2006/relationships" xmlns:p="http://schemas.openxmlformats.org/presentationml/2006/main" show="0">
+<p:sld xmlns:a="http://schemas.openxmlformats.org/drawingml/2006/main" xmlns:r="http://schemas.openxmlformats.org/officeDocument/2006/relationships" xmlns:p="http://schemas.openxmlformats.org/presentationml/2006/main">
   <p:cSld>
     <p:spTree>
       <p:nvGrpSpPr>
@@ -5010,8 +5010,8 @@
           </a:p>
         </p:txBody>
       </p:sp>
-      <mc:AlternateContent xmlns:mc="http://schemas.openxmlformats.org/markup-compatibility/2006">
-        <mc:Choice xmlns:a14="http://schemas.microsoft.com/office/drawing/2010/main" Requires="a14">
+      <mc:AlternateContent xmlns:mc="http://schemas.openxmlformats.org/markup-compatibility/2006" xmlns:a14="http://schemas.microsoft.com/office/drawing/2010/main">
+        <mc:Choice Requires="a14">
           <p:sp>
             <p:nvSpPr>
               <p:cNvPr id="3" name="TextBox 2">
@@ -5040,6 +5040,7 @@
               </a:bodyPr>
               <a:lstStyle/>
               <a:p>
+                <a:pPr/>
                 <a14:m>
                   <m:oMathPara xmlns:m="http://schemas.openxmlformats.org/officeDocument/2006/math">
                     <m:oMathParaPr>
@@ -5064,6 +5065,7 @@
                 <a:endParaRPr lang="en-US" b="0" dirty="0"/>
               </a:p>
               <a:p>
+                <a:pPr/>
                 <a14:m>
                   <m:oMathPara xmlns:m="http://schemas.openxmlformats.org/officeDocument/2006/math">
                     <m:oMathParaPr>
@@ -5088,6 +5090,7 @@
                 <a:endParaRPr lang="en-US" b="0" dirty="0"/>
               </a:p>
               <a:p>
+                <a:pPr/>
                 <a14:m>
                   <m:oMathPara xmlns:m="http://schemas.openxmlformats.org/officeDocument/2006/math">
                     <m:oMathParaPr>
@@ -5114,7 +5117,7 @@
             </p:txBody>
           </p:sp>
         </mc:Choice>
-        <mc:Fallback>
+        <mc:Fallback xmlns="">
           <p:sp>
             <p:nvSpPr>
               <p:cNvPr id="3" name="TextBox 2">
@@ -5159,8 +5162,8 @@
           </p:sp>
         </mc:Fallback>
       </mc:AlternateContent>
-      <mc:AlternateContent xmlns:mc="http://schemas.openxmlformats.org/markup-compatibility/2006">
-        <mc:Choice xmlns:a14="http://schemas.microsoft.com/office/drawing/2010/main" Requires="a14">
+      <mc:AlternateContent xmlns:mc="http://schemas.openxmlformats.org/markup-compatibility/2006" xmlns:a14="http://schemas.microsoft.com/office/drawing/2010/main">
+        <mc:Choice Requires="a14">
           <p:sp>
             <p:nvSpPr>
               <p:cNvPr id="10" name="Rectangle 9">
@@ -5282,7 +5285,7 @@
             </p:txBody>
           </p:sp>
         </mc:Choice>
-        <mc:Fallback>
+        <mc:Fallback xmlns="">
           <p:sp>
             <p:nvSpPr>
               <p:cNvPr id="10" name="Rectangle 9">
@@ -5341,7 +5344,7 @@
 </file>
 
 <file path=ppt/slides/slide11.xml><?xml version="1.0" encoding="utf-8"?>
-<p:sld xmlns:a="http://schemas.openxmlformats.org/drawingml/2006/main" xmlns:r="http://schemas.openxmlformats.org/officeDocument/2006/relationships" xmlns:p="http://schemas.openxmlformats.org/presentationml/2006/main" show="0">
+<p:sld xmlns:a="http://schemas.openxmlformats.org/drawingml/2006/main" xmlns:r="http://schemas.openxmlformats.org/officeDocument/2006/relationships" xmlns:p="http://schemas.openxmlformats.org/presentationml/2006/main">
   <p:cSld>
     <p:spTree>
       <p:nvGrpSpPr>
@@ -5962,8 +5965,8 @@
           </a:fontRef>
         </p:style>
       </p:cxnSp>
-      <mc:AlternateContent xmlns:mc="http://schemas.openxmlformats.org/markup-compatibility/2006">
-        <mc:Choice xmlns:a14="http://schemas.microsoft.com/office/drawing/2010/main" Requires="a14">
+      <mc:AlternateContent xmlns:mc="http://schemas.openxmlformats.org/markup-compatibility/2006" xmlns:a14="http://schemas.microsoft.com/office/drawing/2010/main">
+        <mc:Choice Requires="a14">
           <p:sp>
             <p:nvSpPr>
               <p:cNvPr id="14" name="TextBox 13">
@@ -6133,7 +6136,7 @@
             </p:txBody>
           </p:sp>
         </mc:Choice>
-        <mc:Fallback>
+        <mc:Fallback xmlns="">
           <p:sp>
             <p:nvSpPr>
               <p:cNvPr id="14" name="TextBox 13">
@@ -6178,8 +6181,8 @@
           </p:sp>
         </mc:Fallback>
       </mc:AlternateContent>
-      <mc:AlternateContent xmlns:mc="http://schemas.openxmlformats.org/markup-compatibility/2006">
-        <mc:Choice xmlns:a14="http://schemas.microsoft.com/office/drawing/2010/main" Requires="a14">
+      <mc:AlternateContent xmlns:mc="http://schemas.openxmlformats.org/markup-compatibility/2006" xmlns:a14="http://schemas.microsoft.com/office/drawing/2010/main">
+        <mc:Choice Requires="a14">
           <p:sp>
             <p:nvSpPr>
               <p:cNvPr id="18" name="Rectangle 17">
@@ -6301,7 +6304,7 @@
             </p:txBody>
           </p:sp>
         </mc:Choice>
-        <mc:Fallback>
+        <mc:Fallback xmlns="">
           <p:sp>
             <p:nvSpPr>
               <p:cNvPr id="18" name="Rectangle 17">
@@ -6346,8 +6349,8 @@
           </p:sp>
         </mc:Fallback>
       </mc:AlternateContent>
-      <mc:AlternateContent xmlns:mc="http://schemas.openxmlformats.org/markup-compatibility/2006">
-        <mc:Choice xmlns:a14="http://schemas.microsoft.com/office/drawing/2010/main" Requires="a14">
+      <mc:AlternateContent xmlns:mc="http://schemas.openxmlformats.org/markup-compatibility/2006" xmlns:a14="http://schemas.microsoft.com/office/drawing/2010/main">
+        <mc:Choice Requires="a14">
           <p:sp>
             <p:nvSpPr>
               <p:cNvPr id="19" name="TextBox 18">
@@ -6553,7 +6556,7 @@
             </p:txBody>
           </p:sp>
         </mc:Choice>
-        <mc:Fallback>
+        <mc:Fallback xmlns="">
           <p:sp>
             <p:nvSpPr>
               <p:cNvPr id="19" name="TextBox 18">
@@ -6598,8 +6601,8 @@
           </p:sp>
         </mc:Fallback>
       </mc:AlternateContent>
-      <mc:AlternateContent xmlns:mc="http://schemas.openxmlformats.org/markup-compatibility/2006">
-        <mc:Choice xmlns:a14="http://schemas.microsoft.com/office/drawing/2010/main" Requires="a14">
+      <mc:AlternateContent xmlns:mc="http://schemas.openxmlformats.org/markup-compatibility/2006" xmlns:a14="http://schemas.microsoft.com/office/drawing/2010/main">
+        <mc:Choice Requires="a14">
           <p:sp>
             <p:nvSpPr>
               <p:cNvPr id="20" name="TextBox 19">
@@ -6731,7 +6734,7 @@
             </p:txBody>
           </p:sp>
         </mc:Choice>
-        <mc:Fallback>
+        <mc:Fallback xmlns="">
           <p:sp>
             <p:nvSpPr>
               <p:cNvPr id="20" name="TextBox 19">
@@ -6776,8 +6779,8 @@
           </p:sp>
         </mc:Fallback>
       </mc:AlternateContent>
-      <mc:AlternateContent xmlns:mc="http://schemas.openxmlformats.org/markup-compatibility/2006">
-        <mc:Choice xmlns:a14="http://schemas.microsoft.com/office/drawing/2010/main" Requires="a14">
+      <mc:AlternateContent xmlns:mc="http://schemas.openxmlformats.org/markup-compatibility/2006" xmlns:a14="http://schemas.microsoft.com/office/drawing/2010/main">
+        <mc:Choice Requires="a14">
           <p:sp>
             <p:nvSpPr>
               <p:cNvPr id="21" name="TextBox 20">
@@ -6894,7 +6897,7 @@
             </p:txBody>
           </p:sp>
         </mc:Choice>
-        <mc:Fallback>
+        <mc:Fallback xmlns="">
           <p:sp>
             <p:nvSpPr>
               <p:cNvPr id="21" name="TextBox 20">
@@ -9904,8 +9907,8 @@
           </a:ln>
         </p:spPr>
       </p:pic>
-      <mc:AlternateContent xmlns:mc="http://schemas.openxmlformats.org/markup-compatibility/2006">
-        <mc:Choice xmlns:a14="http://schemas.microsoft.com/office/drawing/2010/main" Requires="a14">
+      <mc:AlternateContent xmlns:mc="http://schemas.openxmlformats.org/markup-compatibility/2006" xmlns:a14="http://schemas.microsoft.com/office/drawing/2010/main">
+        <mc:Choice Requires="a14">
           <p:sp>
             <p:nvSpPr>
               <p:cNvPr id="10" name="TextBox 9">
@@ -10176,7 +10179,7 @@
             </p:txBody>
           </p:sp>
         </mc:Choice>
-        <mc:Fallback>
+        <mc:Fallback xmlns="">
           <p:sp>
             <p:nvSpPr>
               <p:cNvPr id="10" name="TextBox 9">
@@ -10639,7 +10642,7 @@
 </file>
 
 <file path=ppt/slides/slide7.xml><?xml version="1.0" encoding="utf-8"?>
-<p:sld xmlns:a="http://schemas.openxmlformats.org/drawingml/2006/main" xmlns:r="http://schemas.openxmlformats.org/officeDocument/2006/relationships" xmlns:p="http://schemas.openxmlformats.org/presentationml/2006/main" show="0">
+<p:sld xmlns:a="http://schemas.openxmlformats.org/drawingml/2006/main" xmlns:r="http://schemas.openxmlformats.org/officeDocument/2006/relationships" xmlns:p="http://schemas.openxmlformats.org/presentationml/2006/main">
   <p:cSld>
     <p:spTree>
       <p:nvGrpSpPr>
@@ -11126,7 +11129,7 @@
 </file>
 
 <file path=ppt/slides/slide8.xml><?xml version="1.0" encoding="utf-8"?>
-<p:sld xmlns:a="http://schemas.openxmlformats.org/drawingml/2006/main" xmlns:r="http://schemas.openxmlformats.org/officeDocument/2006/relationships" xmlns:p="http://schemas.openxmlformats.org/presentationml/2006/main" show="0">
+<p:sld xmlns:a="http://schemas.openxmlformats.org/drawingml/2006/main" xmlns:r="http://schemas.openxmlformats.org/officeDocument/2006/relationships" xmlns:p="http://schemas.openxmlformats.org/presentationml/2006/main">
   <p:cSld>
     <p:spTree>
       <p:nvGrpSpPr>
@@ -11649,8 +11652,8 @@
           </a:p>
         </p:txBody>
       </p:sp>
-      <mc:AlternateContent xmlns:mc="http://schemas.openxmlformats.org/markup-compatibility/2006">
-        <mc:Choice xmlns:a14="http://schemas.microsoft.com/office/drawing/2010/main" Requires="a14">
+      <mc:AlternateContent xmlns:mc="http://schemas.openxmlformats.org/markup-compatibility/2006" xmlns:a14="http://schemas.microsoft.com/office/drawing/2010/main">
+        <mc:Choice Requires="a14">
           <p:sp>
             <p:nvSpPr>
               <p:cNvPr id="9" name="TextBox 8">
@@ -11872,7 +11875,7 @@
             </p:txBody>
           </p:sp>
         </mc:Choice>
-        <mc:Fallback>
+        <mc:Fallback xmlns="">
           <p:sp>
             <p:nvSpPr>
               <p:cNvPr id="9" name="TextBox 8">
@@ -11917,8 +11920,8 @@
           </p:sp>
         </mc:Fallback>
       </mc:AlternateContent>
-      <mc:AlternateContent xmlns:mc="http://schemas.openxmlformats.org/markup-compatibility/2006">
-        <mc:Choice xmlns:a14="http://schemas.microsoft.com/office/drawing/2010/main" Requires="a14">
+      <mc:AlternateContent xmlns:mc="http://schemas.openxmlformats.org/markup-compatibility/2006" xmlns:a14="http://schemas.microsoft.com/office/drawing/2010/main">
+        <mc:Choice Requires="a14">
           <p:sp>
             <p:nvSpPr>
               <p:cNvPr id="10" name="TextBox 9">
@@ -12055,7 +12058,7 @@
             </p:txBody>
           </p:sp>
         </mc:Choice>
-        <mc:Fallback>
+        <mc:Fallback xmlns="">
           <p:sp>
             <p:nvSpPr>
               <p:cNvPr id="10" name="TextBox 9">
@@ -12100,8 +12103,8 @@
           </p:sp>
         </mc:Fallback>
       </mc:AlternateContent>
-      <mc:AlternateContent xmlns:mc="http://schemas.openxmlformats.org/markup-compatibility/2006">
-        <mc:Choice xmlns:a14="http://schemas.microsoft.com/office/drawing/2010/main" Requires="a14">
+      <mc:AlternateContent xmlns:mc="http://schemas.openxmlformats.org/markup-compatibility/2006" xmlns:a14="http://schemas.microsoft.com/office/drawing/2010/main">
+        <mc:Choice Requires="a14">
           <p:sp>
             <p:nvSpPr>
               <p:cNvPr id="11" name="TextBox 10">
@@ -12215,7 +12218,7 @@
             </p:txBody>
           </p:sp>
         </mc:Choice>
-        <mc:Fallback>
+        <mc:Fallback xmlns="">
           <p:sp>
             <p:nvSpPr>
               <p:cNvPr id="11" name="TextBox 10">
@@ -12625,7 +12628,7 @@
 </file>
 
 <file path=ppt/slides/slide9.xml><?xml version="1.0" encoding="utf-8"?>
-<p:sld xmlns:a="http://schemas.openxmlformats.org/drawingml/2006/main" xmlns:r="http://schemas.openxmlformats.org/officeDocument/2006/relationships" xmlns:p="http://schemas.openxmlformats.org/presentationml/2006/main" show="0">
+<p:sld xmlns:a="http://schemas.openxmlformats.org/drawingml/2006/main" xmlns:r="http://schemas.openxmlformats.org/officeDocument/2006/relationships" xmlns:p="http://schemas.openxmlformats.org/presentationml/2006/main">
   <p:cSld>
     <p:spTree>
       <p:nvGrpSpPr>
@@ -12671,8 +12674,8 @@
           </a:p>
         </p:txBody>
       </p:sp>
-      <mc:AlternateContent xmlns:mc="http://schemas.openxmlformats.org/markup-compatibility/2006">
-        <mc:Choice xmlns:a14="http://schemas.microsoft.com/office/drawing/2010/main" Requires="a14">
+      <mc:AlternateContent xmlns:mc="http://schemas.openxmlformats.org/markup-compatibility/2006" xmlns:a14="http://schemas.microsoft.com/office/drawing/2010/main">
+        <mc:Choice Requires="a14">
           <p:sp>
             <p:nvSpPr>
               <p:cNvPr id="21" name="Content Placeholder 20">
@@ -12809,7 +12812,7 @@
             </p:txBody>
           </p:sp>
         </mc:Choice>
-        <mc:Fallback>
+        <mc:Fallback xmlns="">
           <p:sp>
             <p:nvSpPr>
               <p:cNvPr id="21" name="Content Placeholder 20">
